--- a/slides/Selenium, Module3.pptx
+++ b/slides/Selenium, Module3.pptx
@@ -5,23 +5,28 @@
     <p:sldMasterId id="2147483664" r:id="rId1"/>
   </p:sldMasterIdLst>
   <p:notesMasterIdLst>
-    <p:notesMasterId r:id="rId16"/>
+    <p:notesMasterId r:id="rId21"/>
   </p:notesMasterIdLst>
   <p:sldIdLst>
     <p:sldId id="256" r:id="rId2"/>
     <p:sldId id="278" r:id="rId3"/>
-    <p:sldId id="257" r:id="rId4"/>
-    <p:sldId id="266" r:id="rId5"/>
-    <p:sldId id="267" r:id="rId6"/>
-    <p:sldId id="268" r:id="rId7"/>
-    <p:sldId id="269" r:id="rId8"/>
-    <p:sldId id="270" r:id="rId9"/>
-    <p:sldId id="271" r:id="rId10"/>
-    <p:sldId id="272" r:id="rId11"/>
-    <p:sldId id="275" r:id="rId12"/>
-    <p:sldId id="273" r:id="rId13"/>
-    <p:sldId id="274" r:id="rId14"/>
-    <p:sldId id="276" r:id="rId15"/>
+    <p:sldId id="266" r:id="rId4"/>
+    <p:sldId id="267" r:id="rId5"/>
+    <p:sldId id="268" r:id="rId6"/>
+    <p:sldId id="269" r:id="rId7"/>
+    <p:sldId id="270" r:id="rId8"/>
+    <p:sldId id="271" r:id="rId9"/>
+    <p:sldId id="272" r:id="rId10"/>
+    <p:sldId id="275" r:id="rId11"/>
+    <p:sldId id="273" r:id="rId12"/>
+    <p:sldId id="274" r:id="rId13"/>
+    <p:sldId id="279" r:id="rId14"/>
+    <p:sldId id="280" r:id="rId15"/>
+    <p:sldId id="281" r:id="rId16"/>
+    <p:sldId id="282" r:id="rId17"/>
+    <p:sldId id="283" r:id="rId18"/>
+    <p:sldId id="284" r:id="rId19"/>
+    <p:sldId id="276" r:id="rId20"/>
   </p:sldIdLst>
   <p:sldSz cx="12192000" cy="6858000"/>
   <p:notesSz cx="6858000" cy="9144000"/>
@@ -3687,110 +3692,6 @@
   <p:cSld>
     <p:spTree>
       <p:nvGrpSpPr>
-        <p:cNvPr id="1" name="Shape 264"/>
-        <p:cNvGrpSpPr/>
-        <p:nvPr/>
-      </p:nvGrpSpPr>
-      <p:grpSpPr>
-        <a:xfrm>
-          <a:off x="0" y="0"/>
-          <a:ext cx="0" cy="0"/>
-          <a:chOff x="0" y="0"/>
-          <a:chExt cx="0" cy="0"/>
-        </a:xfrm>
-      </p:grpSpPr>
-      <p:sp>
-        <p:nvSpPr>
-          <p:cNvPr id="265" name="Shape 265"/>
-          <p:cNvSpPr>
-            <a:spLocks noGrp="1" noRot="1" noChangeAspect="1"/>
-          </p:cNvSpPr>
-          <p:nvPr>
-            <p:ph type="sldImg" idx="2"/>
-          </p:nvPr>
-        </p:nvSpPr>
-        <p:spPr>
-          <a:xfrm>
-            <a:off x="1143225" y="685800"/>
-            <a:ext cx="4572300" cy="3429000"/>
-          </a:xfrm>
-          <a:custGeom>
-            <a:avLst/>
-            <a:gdLst/>
-            <a:ahLst/>
-            <a:cxnLst/>
-            <a:rect l="0" t="0" r="0" b="0"/>
-            <a:pathLst>
-              <a:path w="120000" h="120000" extrusionOk="0">
-                <a:moveTo>
-                  <a:pt x="0" y="0"/>
-                </a:moveTo>
-                <a:lnTo>
-                  <a:pt x="120000" y="0"/>
-                </a:lnTo>
-                <a:lnTo>
-                  <a:pt x="120000" y="120000"/>
-                </a:lnTo>
-                <a:lnTo>
-                  <a:pt x="0" y="120000"/>
-                </a:lnTo>
-                <a:close/>
-              </a:path>
-            </a:pathLst>
-          </a:custGeom>
-        </p:spPr>
-      </p:sp>
-      <p:sp>
-        <p:nvSpPr>
-          <p:cNvPr id="266" name="Shape 266"/>
-          <p:cNvSpPr txBox="1">
-            <a:spLocks noGrp="1"/>
-          </p:cNvSpPr>
-          <p:nvPr>
-            <p:ph type="body" idx="1"/>
-          </p:nvPr>
-        </p:nvSpPr>
-        <p:spPr>
-          <a:xfrm>
-            <a:off x="685800" y="4343400"/>
-            <a:ext cx="5486400" cy="4114800"/>
-          </a:xfrm>
-          <a:prstGeom prst="rect">
-            <a:avLst/>
-          </a:prstGeom>
-        </p:spPr>
-        <p:txBody>
-          <a:bodyPr spcFirstLastPara="1" wrap="square" lIns="91425" tIns="91425" rIns="91425" bIns="91425" anchor="t" anchorCtr="0">
-            <a:noAutofit/>
-          </a:bodyPr>
-          <a:lstStyle/>
-          <a:p>
-            <a:pPr marL="0" lvl="0" indent="0">
-              <a:spcBef>
-                <a:spcPts val="0"/>
-              </a:spcBef>
-              <a:spcAft>
-                <a:spcPts val="0"/>
-              </a:spcAft>
-              <a:buNone/>
-            </a:pPr>
-            <a:endParaRPr/>
-          </a:p>
-        </p:txBody>
-      </p:sp>
-    </p:spTree>
-  </p:cSld>
-  <p:clrMapOvr>
-    <a:masterClrMapping/>
-  </p:clrMapOvr>
-</p:notes>
-</file>
-
-<file path=ppt/notesSlides/notesSlide11.xml><?xml version="1.0" encoding="utf-8"?>
-<p:notes xmlns:a="http://schemas.openxmlformats.org/drawingml/2006/main" xmlns:r="http://schemas.openxmlformats.org/officeDocument/2006/relationships" xmlns:p="http://schemas.openxmlformats.org/presentationml/2006/main" showMasterSp="0" showMasterPhAnim="0">
-  <p:cSld>
-    <p:spTree>
-      <p:nvGrpSpPr>
         <p:cNvPr id="1" name="Shape 252"/>
         <p:cNvGrpSpPr/>
         <p:nvPr/>
@@ -3890,7 +3791,7 @@
 </p:notes>
 </file>
 
-<file path=ppt/notesSlides/notesSlide12.xml><?xml version="1.0" encoding="utf-8"?>
+<file path=ppt/notesSlides/notesSlide11.xml><?xml version="1.0" encoding="utf-8"?>
 <p:notes xmlns:a="http://schemas.openxmlformats.org/drawingml/2006/main" xmlns:r="http://schemas.openxmlformats.org/officeDocument/2006/relationships" xmlns:p="http://schemas.openxmlformats.org/presentationml/2006/main" showMasterSp="0" showMasterPhAnim="0">
   <p:cSld>
     <p:spTree>
@@ -3994,7 +3895,7 @@
 </p:notes>
 </file>
 
-<file path=ppt/notesSlides/notesSlide13.xml><?xml version="1.0" encoding="utf-8"?>
+<file path=ppt/notesSlides/notesSlide12.xml><?xml version="1.0" encoding="utf-8"?>
 <p:notes xmlns:a="http://schemas.openxmlformats.org/drawingml/2006/main" xmlns:r="http://schemas.openxmlformats.org/officeDocument/2006/relationships" xmlns:p="http://schemas.openxmlformats.org/presentationml/2006/main" showMasterSp="0" showMasterPhAnim="0">
   <p:cSld>
     <p:spTree>
@@ -4103,114 +4004,6 @@
   <p:cSld>
     <p:spTree>
       <p:nvGrpSpPr>
-        <p:cNvPr id="1" name="Shape 146"/>
-        <p:cNvGrpSpPr/>
-        <p:nvPr/>
-      </p:nvGrpSpPr>
-      <p:grpSpPr>
-        <a:xfrm>
-          <a:off x="0" y="0"/>
-          <a:ext cx="0" cy="0"/>
-          <a:chOff x="0" y="0"/>
-          <a:chExt cx="0" cy="0"/>
-        </a:xfrm>
-      </p:grpSpPr>
-      <p:sp>
-        <p:nvSpPr>
-          <p:cNvPr id="147" name="Shape 147"/>
-          <p:cNvSpPr txBox="1">
-            <a:spLocks noGrp="1"/>
-          </p:cNvSpPr>
-          <p:nvPr>
-            <p:ph type="body" idx="1"/>
-          </p:nvPr>
-        </p:nvSpPr>
-        <p:spPr>
-          <a:xfrm>
-            <a:off x="685800" y="4343400"/>
-            <a:ext cx="5486400" cy="4114800"/>
-          </a:xfrm>
-          <a:prstGeom prst="rect">
-            <a:avLst/>
-          </a:prstGeom>
-          <a:noFill/>
-          <a:ln>
-            <a:noFill/>
-          </a:ln>
-        </p:spPr>
-        <p:txBody>
-          <a:bodyPr spcFirstLastPara="1" wrap="square" lIns="91425" tIns="91425" rIns="91425" bIns="91425" anchor="ctr" anchorCtr="0">
-            <a:noAutofit/>
-          </a:bodyPr>
-          <a:lstStyle/>
-          <a:p>
-            <a:pPr marL="0" lvl="0" indent="0">
-              <a:spcBef>
-                <a:spcPts val="0"/>
-              </a:spcBef>
-              <a:spcAft>
-                <a:spcPts val="0"/>
-              </a:spcAft>
-              <a:buNone/>
-            </a:pPr>
-            <a:endParaRPr/>
-          </a:p>
-        </p:txBody>
-      </p:sp>
-      <p:sp>
-        <p:nvSpPr>
-          <p:cNvPr id="148" name="Shape 148"/>
-          <p:cNvSpPr>
-            <a:spLocks noGrp="1" noRot="1" noChangeAspect="1"/>
-          </p:cNvSpPr>
-          <p:nvPr>
-            <p:ph type="sldImg" idx="2"/>
-          </p:nvPr>
-        </p:nvSpPr>
-        <p:spPr>
-          <a:xfrm>
-            <a:off x="381000" y="685800"/>
-            <a:ext cx="6096000" cy="3429000"/>
-          </a:xfrm>
-          <a:custGeom>
-            <a:avLst/>
-            <a:gdLst/>
-            <a:ahLst/>
-            <a:cxnLst/>
-            <a:rect l="0" t="0" r="0" b="0"/>
-            <a:pathLst>
-              <a:path w="120000" h="120000" extrusionOk="0">
-                <a:moveTo>
-                  <a:pt x="0" y="0"/>
-                </a:moveTo>
-                <a:lnTo>
-                  <a:pt x="120000" y="0"/>
-                </a:lnTo>
-                <a:lnTo>
-                  <a:pt x="120000" y="120000"/>
-                </a:lnTo>
-                <a:lnTo>
-                  <a:pt x="0" y="120000"/>
-                </a:lnTo>
-                <a:close/>
-              </a:path>
-            </a:pathLst>
-          </a:custGeom>
-        </p:spPr>
-      </p:sp>
-    </p:spTree>
-  </p:cSld>
-  <p:clrMapOvr>
-    <a:masterClrMapping/>
-  </p:clrMapOvr>
-</p:notes>
-</file>
-
-<file path=ppt/notesSlides/notesSlide3.xml><?xml version="1.0" encoding="utf-8"?>
-<p:notes xmlns:a="http://schemas.openxmlformats.org/drawingml/2006/main" xmlns:r="http://schemas.openxmlformats.org/officeDocument/2006/relationships" xmlns:p="http://schemas.openxmlformats.org/presentationml/2006/main" showMasterSp="0" showMasterPhAnim="0">
-  <p:cSld>
-    <p:spTree>
-      <p:nvGrpSpPr>
         <p:cNvPr id="1" name="Shape 207"/>
         <p:cNvGrpSpPr/>
         <p:nvPr/>
@@ -4310,7 +4103,7 @@
 </p:notes>
 </file>
 
-<file path=ppt/notesSlides/notesSlide4.xml><?xml version="1.0" encoding="utf-8"?>
+<file path=ppt/notesSlides/notesSlide3.xml><?xml version="1.0" encoding="utf-8"?>
 <p:notes xmlns:a="http://schemas.openxmlformats.org/drawingml/2006/main" xmlns:r="http://schemas.openxmlformats.org/officeDocument/2006/relationships" xmlns:p="http://schemas.openxmlformats.org/presentationml/2006/main" showMasterSp="0" showMasterPhAnim="0">
   <p:cSld>
     <p:spTree>
@@ -4414,7 +4207,7 @@
 </p:notes>
 </file>
 
-<file path=ppt/notesSlides/notesSlide5.xml><?xml version="1.0" encoding="utf-8"?>
+<file path=ppt/notesSlides/notesSlide4.xml><?xml version="1.0" encoding="utf-8"?>
 <p:notes xmlns:a="http://schemas.openxmlformats.org/drawingml/2006/main" xmlns:r="http://schemas.openxmlformats.org/officeDocument/2006/relationships" xmlns:p="http://schemas.openxmlformats.org/presentationml/2006/main" showMasterSp="0" showMasterPhAnim="0">
   <p:cSld>
     <p:spTree>
@@ -4518,7 +4311,7 @@
 </p:notes>
 </file>
 
-<file path=ppt/notesSlides/notesSlide6.xml><?xml version="1.0" encoding="utf-8"?>
+<file path=ppt/notesSlides/notesSlide5.xml><?xml version="1.0" encoding="utf-8"?>
 <p:notes xmlns:a="http://schemas.openxmlformats.org/drawingml/2006/main" xmlns:r="http://schemas.openxmlformats.org/officeDocument/2006/relationships" xmlns:p="http://schemas.openxmlformats.org/presentationml/2006/main" showMasterSp="0" showMasterPhAnim="0">
   <p:cSld>
     <p:spTree>
@@ -4622,7 +4415,7 @@
 </p:notes>
 </file>
 
-<file path=ppt/notesSlides/notesSlide7.xml><?xml version="1.0" encoding="utf-8"?>
+<file path=ppt/notesSlides/notesSlide6.xml><?xml version="1.0" encoding="utf-8"?>
 <p:notes xmlns:a="http://schemas.openxmlformats.org/drawingml/2006/main" xmlns:r="http://schemas.openxmlformats.org/officeDocument/2006/relationships" xmlns:p="http://schemas.openxmlformats.org/presentationml/2006/main" showMasterSp="0" showMasterPhAnim="0">
   <p:cSld>
     <p:spTree>
@@ -4726,7 +4519,7 @@
 </p:notes>
 </file>
 
-<file path=ppt/notesSlides/notesSlide8.xml><?xml version="1.0" encoding="utf-8"?>
+<file path=ppt/notesSlides/notesSlide7.xml><?xml version="1.0" encoding="utf-8"?>
 <p:notes xmlns:a="http://schemas.openxmlformats.org/drawingml/2006/main" xmlns:r="http://schemas.openxmlformats.org/officeDocument/2006/relationships" xmlns:p="http://schemas.openxmlformats.org/presentationml/2006/main" showMasterSp="0" showMasterPhAnim="0">
   <p:cSld>
     <p:spTree>
@@ -4830,7 +4623,7 @@
 </p:notes>
 </file>
 
-<file path=ppt/notesSlides/notesSlide9.xml><?xml version="1.0" encoding="utf-8"?>
+<file path=ppt/notesSlides/notesSlide8.xml><?xml version="1.0" encoding="utf-8"?>
 <p:notes xmlns:a="http://schemas.openxmlformats.org/drawingml/2006/main" xmlns:r="http://schemas.openxmlformats.org/officeDocument/2006/relationships" xmlns:p="http://schemas.openxmlformats.org/presentationml/2006/main" showMasterSp="0" showMasterPhAnim="0">
   <p:cSld>
     <p:spTree>
@@ -4914,6 +4707,110 @@
           <a:lstStyle/>
           <a:p>
             <a:pPr marL="0" lvl="0" indent="0" rtl="0">
+              <a:spcBef>
+                <a:spcPts val="0"/>
+              </a:spcBef>
+              <a:spcAft>
+                <a:spcPts val="0"/>
+              </a:spcAft>
+              <a:buNone/>
+            </a:pPr>
+            <a:endParaRPr/>
+          </a:p>
+        </p:txBody>
+      </p:sp>
+    </p:spTree>
+  </p:cSld>
+  <p:clrMapOvr>
+    <a:masterClrMapping/>
+  </p:clrMapOvr>
+</p:notes>
+</file>
+
+<file path=ppt/notesSlides/notesSlide9.xml><?xml version="1.0" encoding="utf-8"?>
+<p:notes xmlns:a="http://schemas.openxmlformats.org/drawingml/2006/main" xmlns:r="http://schemas.openxmlformats.org/officeDocument/2006/relationships" xmlns:p="http://schemas.openxmlformats.org/presentationml/2006/main" showMasterSp="0" showMasterPhAnim="0">
+  <p:cSld>
+    <p:spTree>
+      <p:nvGrpSpPr>
+        <p:cNvPr id="1" name="Shape 264"/>
+        <p:cNvGrpSpPr/>
+        <p:nvPr/>
+      </p:nvGrpSpPr>
+      <p:grpSpPr>
+        <a:xfrm>
+          <a:off x="0" y="0"/>
+          <a:ext cx="0" cy="0"/>
+          <a:chOff x="0" y="0"/>
+          <a:chExt cx="0" cy="0"/>
+        </a:xfrm>
+      </p:grpSpPr>
+      <p:sp>
+        <p:nvSpPr>
+          <p:cNvPr id="265" name="Shape 265"/>
+          <p:cNvSpPr>
+            <a:spLocks noGrp="1" noRot="1" noChangeAspect="1"/>
+          </p:cNvSpPr>
+          <p:nvPr>
+            <p:ph type="sldImg" idx="2"/>
+          </p:nvPr>
+        </p:nvSpPr>
+        <p:spPr>
+          <a:xfrm>
+            <a:off x="1143225" y="685800"/>
+            <a:ext cx="4572300" cy="3429000"/>
+          </a:xfrm>
+          <a:custGeom>
+            <a:avLst/>
+            <a:gdLst/>
+            <a:ahLst/>
+            <a:cxnLst/>
+            <a:rect l="0" t="0" r="0" b="0"/>
+            <a:pathLst>
+              <a:path w="120000" h="120000" extrusionOk="0">
+                <a:moveTo>
+                  <a:pt x="0" y="0"/>
+                </a:moveTo>
+                <a:lnTo>
+                  <a:pt x="120000" y="0"/>
+                </a:lnTo>
+                <a:lnTo>
+                  <a:pt x="120000" y="120000"/>
+                </a:lnTo>
+                <a:lnTo>
+                  <a:pt x="0" y="120000"/>
+                </a:lnTo>
+                <a:close/>
+              </a:path>
+            </a:pathLst>
+          </a:custGeom>
+        </p:spPr>
+      </p:sp>
+      <p:sp>
+        <p:nvSpPr>
+          <p:cNvPr id="266" name="Shape 266"/>
+          <p:cNvSpPr txBox="1">
+            <a:spLocks noGrp="1"/>
+          </p:cNvSpPr>
+          <p:nvPr>
+            <p:ph type="body" idx="1"/>
+          </p:nvPr>
+        </p:nvSpPr>
+        <p:spPr>
+          <a:xfrm>
+            <a:off x="685800" y="4343400"/>
+            <a:ext cx="5486400" cy="4114800"/>
+          </a:xfrm>
+          <a:prstGeom prst="rect">
+            <a:avLst/>
+          </a:prstGeom>
+        </p:spPr>
+        <p:txBody>
+          <a:bodyPr spcFirstLastPara="1" wrap="square" lIns="91425" tIns="91425" rIns="91425" bIns="91425" anchor="t" anchorCtr="0">
+            <a:noAutofit/>
+          </a:bodyPr>
+          <a:lstStyle/>
+          <a:p>
+            <a:pPr marL="0" lvl="0" indent="0">
               <a:spcBef>
                 <a:spcPts val="0"/>
               </a:spcBef>
@@ -25884,251 +25781,6 @@
   <p:cSld>
     <p:spTree>
       <p:nvGrpSpPr>
-        <p:cNvPr id="1" name="Shape 248"/>
-        <p:cNvGrpSpPr/>
-        <p:nvPr/>
-      </p:nvGrpSpPr>
-      <p:grpSpPr>
-        <a:xfrm>
-          <a:off x="0" y="0"/>
-          <a:ext cx="0" cy="0"/>
-          <a:chOff x="0" y="0"/>
-          <a:chExt cx="0" cy="0"/>
-        </a:xfrm>
-      </p:grpSpPr>
-      <p:sp>
-        <p:nvSpPr>
-          <p:cNvPr id="249" name="Shape 249"/>
-          <p:cNvSpPr txBox="1">
-            <a:spLocks noGrp="1"/>
-          </p:cNvSpPr>
-          <p:nvPr>
-            <p:ph type="title"/>
-          </p:nvPr>
-        </p:nvSpPr>
-        <p:spPr>
-          <a:xfrm>
-            <a:off x="677334" y="609600"/>
-            <a:ext cx="8596800" cy="1320900"/>
-          </a:xfrm>
-          <a:prstGeom prst="rect">
-            <a:avLst/>
-          </a:prstGeom>
-        </p:spPr>
-        <p:txBody>
-          <a:bodyPr spcFirstLastPara="1" wrap="square" lIns="91425" tIns="91425" rIns="91425" bIns="91425" anchor="t" anchorCtr="0">
-            <a:noAutofit/>
-          </a:bodyPr>
-          <a:lstStyle/>
-          <a:p>
-            <a:pPr marL="0" lvl="0" indent="0" rtl="0">
-              <a:spcBef>
-                <a:spcPts val="0"/>
-              </a:spcBef>
-              <a:spcAft>
-                <a:spcPts val="0"/>
-              </a:spcAft>
-              <a:buNone/>
-            </a:pPr>
-            <a:r>
-              <a:rPr lang="es-ES"/>
-              <a:t>Por que usar clases?</a:t>
-            </a:r>
-            <a:endParaRPr/>
-          </a:p>
-        </p:txBody>
-      </p:sp>
-      <p:sp>
-        <p:nvSpPr>
-          <p:cNvPr id="250" name="Shape 250"/>
-          <p:cNvSpPr txBox="1">
-            <a:spLocks noGrp="1"/>
-          </p:cNvSpPr>
-          <p:nvPr>
-            <p:ph type="body" idx="1"/>
-          </p:nvPr>
-        </p:nvSpPr>
-        <p:spPr>
-          <a:xfrm>
-            <a:off x="677334" y="2160589"/>
-            <a:ext cx="8596800" cy="3880800"/>
-          </a:xfrm>
-          <a:prstGeom prst="rect">
-            <a:avLst/>
-          </a:prstGeom>
-        </p:spPr>
-        <p:txBody>
-          <a:bodyPr spcFirstLastPara="1" wrap="square" lIns="91425" tIns="91425" rIns="91425" bIns="91425" anchor="t" anchorCtr="0">
-            <a:noAutofit/>
-          </a:bodyPr>
-          <a:lstStyle/>
-          <a:p>
-            <a:pPr marL="0" lvl="0" indent="0" rtl="0">
-              <a:spcBef>
-                <a:spcPts val="1000"/>
-              </a:spcBef>
-              <a:spcAft>
-                <a:spcPts val="0"/>
-              </a:spcAft>
-              <a:buNone/>
-            </a:pPr>
-            <a:endParaRPr sz="1600"/>
-          </a:p>
-          <a:p>
-            <a:pPr marL="0" lvl="0" indent="0" algn="ctr" rtl="0">
-              <a:spcBef>
-                <a:spcPts val="1000"/>
-              </a:spcBef>
-              <a:spcAft>
-                <a:spcPts val="0"/>
-              </a:spcAft>
-              <a:buNone/>
-            </a:pPr>
-            <a:endParaRPr sz="1600"/>
-          </a:p>
-          <a:p>
-            <a:pPr marL="0" lvl="0" indent="0" algn="ctr" rtl="0">
-              <a:spcBef>
-                <a:spcPts val="1000"/>
-              </a:spcBef>
-              <a:spcAft>
-                <a:spcPts val="0"/>
-              </a:spcAft>
-              <a:buNone/>
-            </a:pPr>
-            <a:endParaRPr sz="1600"/>
-          </a:p>
-          <a:p>
-            <a:pPr marL="0" lvl="0" indent="0" algn="ctr" rtl="0">
-              <a:spcBef>
-                <a:spcPts val="1000"/>
-              </a:spcBef>
-              <a:spcAft>
-                <a:spcPts val="0"/>
-              </a:spcAft>
-              <a:buNone/>
-            </a:pPr>
-            <a:endParaRPr sz="1600"/>
-          </a:p>
-          <a:p>
-            <a:pPr marL="0" lvl="0" indent="0" algn="ctr" rtl="0">
-              <a:spcBef>
-                <a:spcPts val="1000"/>
-              </a:spcBef>
-              <a:spcAft>
-                <a:spcPts val="0"/>
-              </a:spcAft>
-              <a:buNone/>
-            </a:pPr>
-            <a:endParaRPr sz="1600"/>
-          </a:p>
-          <a:p>
-            <a:pPr marL="0" lvl="0" indent="0" algn="ctr" rtl="0">
-              <a:spcBef>
-                <a:spcPts val="1000"/>
-              </a:spcBef>
-              <a:spcAft>
-                <a:spcPts val="0"/>
-              </a:spcAft>
-              <a:buNone/>
-            </a:pPr>
-            <a:endParaRPr sz="1600"/>
-          </a:p>
-          <a:p>
-            <a:pPr marL="0" lvl="0" indent="0" algn="ctr" rtl="0">
-              <a:spcBef>
-                <a:spcPts val="1000"/>
-              </a:spcBef>
-              <a:spcAft>
-                <a:spcPts val="0"/>
-              </a:spcAft>
-              <a:buNone/>
-            </a:pPr>
-            <a:endParaRPr sz="1600"/>
-          </a:p>
-          <a:p>
-            <a:pPr marL="0" lvl="0" indent="0" algn="ctr" rtl="0">
-              <a:spcBef>
-                <a:spcPts val="1000"/>
-              </a:spcBef>
-              <a:spcAft>
-                <a:spcPts val="0"/>
-              </a:spcAft>
-              <a:buNone/>
-            </a:pPr>
-            <a:r>
-              <a:rPr lang="es-ES" sz="1600"/>
-              <a:t>Y 496 bebés más.</a:t>
-            </a:r>
-            <a:endParaRPr sz="1600"/>
-          </a:p>
-          <a:p>
-            <a:pPr marL="0" lvl="0" indent="0" algn="ctr" rtl="0">
-              <a:spcBef>
-                <a:spcPts val="1000"/>
-              </a:spcBef>
-              <a:spcAft>
-                <a:spcPts val="0"/>
-              </a:spcAft>
-              <a:buNone/>
-            </a:pPr>
-            <a:endParaRPr sz="1600"/>
-          </a:p>
-          <a:p>
-            <a:pPr marL="0" lvl="0" indent="0" algn="ctr" rtl="0">
-              <a:spcBef>
-                <a:spcPts val="1000"/>
-              </a:spcBef>
-              <a:spcAft>
-                <a:spcPts val="0"/>
-              </a:spcAft>
-              <a:buNone/>
-            </a:pPr>
-            <a:endParaRPr sz="1600"/>
-          </a:p>
-        </p:txBody>
-      </p:sp>
-      <p:pic>
-        <p:nvPicPr>
-          <p:cNvPr id="251" name="Shape 251"/>
-          <p:cNvPicPr preferRelativeResize="0"/>
-          <p:nvPr/>
-        </p:nvPicPr>
-        <p:blipFill>
-          <a:blip r:embed="rId3">
-            <a:alphaModFix/>
-          </a:blip>
-          <a:stretch>
-            <a:fillRect/>
-          </a:stretch>
-        </p:blipFill>
-        <p:spPr>
-          <a:xfrm>
-            <a:off x="784725" y="1698125"/>
-            <a:ext cx="8382000" cy="3848100"/>
-          </a:xfrm>
-          <a:prstGeom prst="rect">
-            <a:avLst/>
-          </a:prstGeom>
-          <a:noFill/>
-          <a:ln>
-            <a:noFill/>
-          </a:ln>
-        </p:spPr>
-      </p:pic>
-    </p:spTree>
-  </p:cSld>
-  <p:clrMapOvr>
-    <a:masterClrMapping/>
-  </p:clrMapOvr>
-</p:sld>
-</file>
-
-<file path=ppt/slides/slide11.xml><?xml version="1.0" encoding="utf-8"?>
-<p:sld xmlns:a="http://schemas.openxmlformats.org/drawingml/2006/main" xmlns:r="http://schemas.openxmlformats.org/officeDocument/2006/relationships" xmlns:p="http://schemas.openxmlformats.org/presentationml/2006/main">
-  <p:cSld>
-    <p:spTree>
-      <p:nvGrpSpPr>
         <p:cNvPr id="1" name="Shape 267"/>
         <p:cNvGrpSpPr/>
         <p:nvPr/>
@@ -26305,7 +25957,7 @@
 </p:sld>
 </file>
 
-<file path=ppt/slides/slide12.xml><?xml version="1.0" encoding="utf-8"?>
+<file path=ppt/slides/slide11.xml><?xml version="1.0" encoding="utf-8"?>
 <p:sld xmlns:a="http://schemas.openxmlformats.org/drawingml/2006/main" xmlns:r="http://schemas.openxmlformats.org/officeDocument/2006/relationships" xmlns:p="http://schemas.openxmlformats.org/presentationml/2006/main">
   <p:cSld>
     <p:spTree>
@@ -26574,7 +26226,7 @@
 </p:sld>
 </file>
 
-<file path=ppt/slides/slide13.xml><?xml version="1.0" encoding="utf-8"?>
+<file path=ppt/slides/slide12.xml><?xml version="1.0" encoding="utf-8"?>
 <p:sld xmlns:a="http://schemas.openxmlformats.org/drawingml/2006/main" xmlns:r="http://schemas.openxmlformats.org/officeDocument/2006/relationships" xmlns:p="http://schemas.openxmlformats.org/presentationml/2006/main">
   <p:cSld>
     <p:spTree>
@@ -26742,7 +26394,1336 @@
 </p:sld>
 </file>
 
+<file path=ppt/slides/slide13.xml><?xml version="1.0" encoding="utf-8"?>
+<p:sld xmlns:a="http://schemas.openxmlformats.org/drawingml/2006/main" xmlns:r="http://schemas.openxmlformats.org/officeDocument/2006/relationships" xmlns:p="http://schemas.openxmlformats.org/presentationml/2006/main">
+  <p:cSld>
+    <p:spTree>
+      <p:nvGrpSpPr>
+        <p:cNvPr id="1" name=""/>
+        <p:cNvGrpSpPr/>
+        <p:nvPr/>
+      </p:nvGrpSpPr>
+      <p:grpSpPr>
+        <a:xfrm>
+          <a:off x="0" y="0"/>
+          <a:ext cx="0" cy="0"/>
+          <a:chOff x="0" y="0"/>
+          <a:chExt cx="0" cy="0"/>
+        </a:xfrm>
+      </p:grpSpPr>
+      <p:sp>
+        <p:nvSpPr>
+          <p:cNvPr id="2" name="Title 1">
+            <a:extLst>
+              <a:ext uri="{FF2B5EF4-FFF2-40B4-BE49-F238E27FC236}">
+                <a16:creationId xmlns:a16="http://schemas.microsoft.com/office/drawing/2014/main" id="{E170EEE1-C3DA-8743-BE51-51365F8FBF27}"/>
+              </a:ext>
+            </a:extLst>
+          </p:cNvPr>
+          <p:cNvSpPr>
+            <a:spLocks noGrp="1"/>
+          </p:cNvSpPr>
+          <p:nvPr>
+            <p:ph type="title"/>
+          </p:nvPr>
+        </p:nvSpPr>
+        <p:spPr/>
+        <p:txBody>
+          <a:bodyPr/>
+          <a:lstStyle/>
+          <a:p>
+            <a:r>
+              <a:rPr lang="en-MX" dirty="0"/>
+              <a:t>Repaso de Variables</a:t>
+            </a:r>
+          </a:p>
+        </p:txBody>
+      </p:sp>
+      <p:sp>
+        <p:nvSpPr>
+          <p:cNvPr id="3" name="Text Placeholder 2">
+            <a:extLst>
+              <a:ext uri="{FF2B5EF4-FFF2-40B4-BE49-F238E27FC236}">
+                <a16:creationId xmlns:a16="http://schemas.microsoft.com/office/drawing/2014/main" id="{D7472865-F806-3643-B756-474C835DD745}"/>
+              </a:ext>
+            </a:extLst>
+          </p:cNvPr>
+          <p:cNvSpPr>
+            <a:spLocks noGrp="1"/>
+          </p:cNvSpPr>
+          <p:nvPr>
+            <p:ph type="body" idx="1"/>
+          </p:nvPr>
+        </p:nvSpPr>
+        <p:spPr>
+          <a:xfrm>
+            <a:off x="677334" y="1708644"/>
+            <a:ext cx="8596668" cy="3880773"/>
+          </a:xfrm>
+        </p:spPr>
+        <p:txBody>
+          <a:bodyPr/>
+          <a:lstStyle/>
+          <a:p>
+            <a:r>
+              <a:rPr lang="en-MX" dirty="0"/>
+              <a:t>Una variable es un contenedor de información.</a:t>
+            </a:r>
+          </a:p>
+          <a:p>
+            <a:r>
+              <a:rPr lang="en-MX" dirty="0"/>
+              <a:t>Pueden ser de varios tipos:</a:t>
+            </a:r>
+          </a:p>
+          <a:p>
+            <a:pPr lvl="1"/>
+            <a:r>
+              <a:rPr lang="en-MX" dirty="0"/>
+              <a:t>Primitivas (int, double, char, etc)</a:t>
+            </a:r>
+          </a:p>
+          <a:p>
+            <a:pPr lvl="1"/>
+            <a:r>
+              <a:rPr lang="en-MX" dirty="0"/>
+              <a:t>Referencia (Objetos, Strings, arrays, etc)</a:t>
+            </a:r>
+          </a:p>
+          <a:p>
+            <a:r>
+              <a:rPr lang="en-MX" dirty="0"/>
+              <a:t>La declaracion tiene dos partes importantes:</a:t>
+            </a:r>
+          </a:p>
+          <a:p>
+            <a:pPr lvl="1"/>
+            <a:r>
+              <a:rPr lang="en-MX" dirty="0"/>
+              <a:t>Tipo (int, String, etc)</a:t>
+            </a:r>
+          </a:p>
+          <a:p>
+            <a:pPr lvl="1"/>
+            <a:r>
+              <a:rPr lang="en-MX" dirty="0"/>
+              <a:t>Nombre (edad, nombreCompleto, etc)</a:t>
+            </a:r>
+          </a:p>
+          <a:p>
+            <a:r>
+              <a:rPr lang="en-MX" dirty="0"/>
+              <a:t>Ejemplos:</a:t>
+            </a:r>
+          </a:p>
+          <a:p>
+            <a:pPr lvl="1"/>
+            <a:r>
+              <a:rPr lang="en-MX" dirty="0"/>
+              <a:t>Dog fido;</a:t>
+            </a:r>
+          </a:p>
+          <a:p>
+            <a:pPr lvl="1"/>
+            <a:r>
+              <a:rPr lang="en-US" dirty="0"/>
+              <a:t>d</a:t>
+            </a:r>
+            <a:r>
+              <a:rPr lang="en-MX" dirty="0"/>
+              <a:t>ouble salarioBruto;	</a:t>
+            </a:r>
+          </a:p>
+          <a:p>
+            <a:pPr lvl="1"/>
+            <a:endParaRPr lang="en-MX" dirty="0"/>
+          </a:p>
+        </p:txBody>
+      </p:sp>
+      <p:pic>
+        <p:nvPicPr>
+          <p:cNvPr id="5" name="Picture 4" descr="A picture containing container, glass, cup, food&#10;&#10;Description automatically generated">
+            <a:extLst>
+              <a:ext uri="{FF2B5EF4-FFF2-40B4-BE49-F238E27FC236}">
+                <a16:creationId xmlns:a16="http://schemas.microsoft.com/office/drawing/2014/main" id="{139E7400-E6D9-1247-934B-743F0A2ABABA}"/>
+              </a:ext>
+            </a:extLst>
+          </p:cNvPr>
+          <p:cNvPicPr>
+            <a:picLocks noChangeAspect="1"/>
+          </p:cNvPicPr>
+          <p:nvPr/>
+        </p:nvPicPr>
+        <p:blipFill>
+          <a:blip r:embed="rId2"/>
+          <a:stretch>
+            <a:fillRect/>
+          </a:stretch>
+        </p:blipFill>
+        <p:spPr>
+          <a:xfrm>
+            <a:off x="6096000" y="609600"/>
+            <a:ext cx="4797707" cy="1834656"/>
+          </a:xfrm>
+          <a:prstGeom prst="rect">
+            <a:avLst/>
+          </a:prstGeom>
+        </p:spPr>
+      </p:pic>
+      <p:pic>
+        <p:nvPicPr>
+          <p:cNvPr id="9" name="Picture 8" descr="A picture containing cup, table, food, glass&#10;&#10;Description automatically generated">
+            <a:extLst>
+              <a:ext uri="{FF2B5EF4-FFF2-40B4-BE49-F238E27FC236}">
+                <a16:creationId xmlns:a16="http://schemas.microsoft.com/office/drawing/2014/main" id="{E6B6EEC5-8003-824F-9E73-24A80A205922}"/>
+              </a:ext>
+            </a:extLst>
+          </p:cNvPr>
+          <p:cNvPicPr>
+            <a:picLocks noChangeAspect="1"/>
+          </p:cNvPicPr>
+          <p:nvPr/>
+        </p:nvPicPr>
+        <p:blipFill>
+          <a:blip r:embed="rId3"/>
+          <a:stretch>
+            <a:fillRect/>
+          </a:stretch>
+        </p:blipFill>
+        <p:spPr>
+          <a:xfrm>
+            <a:off x="6096000" y="3132082"/>
+            <a:ext cx="4100409" cy="2247024"/>
+          </a:xfrm>
+          <a:prstGeom prst="rect">
+            <a:avLst/>
+          </a:prstGeom>
+        </p:spPr>
+      </p:pic>
+    </p:spTree>
+    <p:extLst>
+      <p:ext uri="{BB962C8B-B14F-4D97-AF65-F5344CB8AC3E}">
+        <p14:creationId xmlns:p14="http://schemas.microsoft.com/office/powerpoint/2010/main" val="1058927278"/>
+      </p:ext>
+    </p:extLst>
+  </p:cSld>
+  <p:clrMapOvr>
+    <a:masterClrMapping/>
+  </p:clrMapOvr>
+</p:sld>
+</file>
+
 <file path=ppt/slides/slide14.xml><?xml version="1.0" encoding="utf-8"?>
+<p:sld xmlns:a="http://schemas.openxmlformats.org/drawingml/2006/main" xmlns:r="http://schemas.openxmlformats.org/officeDocument/2006/relationships" xmlns:p="http://schemas.openxmlformats.org/presentationml/2006/main">
+  <p:cSld>
+    <p:spTree>
+      <p:nvGrpSpPr>
+        <p:cNvPr id="1" name=""/>
+        <p:cNvGrpSpPr/>
+        <p:nvPr/>
+      </p:nvGrpSpPr>
+      <p:grpSpPr>
+        <a:xfrm>
+          <a:off x="0" y="0"/>
+          <a:ext cx="0" cy="0"/>
+          <a:chOff x="0" y="0"/>
+          <a:chExt cx="0" cy="0"/>
+        </a:xfrm>
+      </p:grpSpPr>
+      <p:sp>
+        <p:nvSpPr>
+          <p:cNvPr id="2" name="Title 1">
+            <a:extLst>
+              <a:ext uri="{FF2B5EF4-FFF2-40B4-BE49-F238E27FC236}">
+                <a16:creationId xmlns:a16="http://schemas.microsoft.com/office/drawing/2014/main" id="{F74C1C58-90CF-D748-A0A0-66F683FA911C}"/>
+              </a:ext>
+            </a:extLst>
+          </p:cNvPr>
+          <p:cNvSpPr>
+            <a:spLocks noGrp="1"/>
+          </p:cNvSpPr>
+          <p:nvPr>
+            <p:ph type="title"/>
+          </p:nvPr>
+        </p:nvSpPr>
+        <p:spPr/>
+        <p:txBody>
+          <a:bodyPr/>
+          <a:lstStyle/>
+          <a:p>
+            <a:r>
+              <a:rPr lang="en-MX" dirty="0"/>
+              <a:t>Variable Primitiva</a:t>
+            </a:r>
+          </a:p>
+        </p:txBody>
+      </p:sp>
+      <p:sp>
+        <p:nvSpPr>
+          <p:cNvPr id="3" name="Text Placeholder 2">
+            <a:extLst>
+              <a:ext uri="{FF2B5EF4-FFF2-40B4-BE49-F238E27FC236}">
+                <a16:creationId xmlns:a16="http://schemas.microsoft.com/office/drawing/2014/main" id="{E7B3ACB3-6339-4449-A5C9-02A4166AA2E2}"/>
+              </a:ext>
+            </a:extLst>
+          </p:cNvPr>
+          <p:cNvSpPr>
+            <a:spLocks noGrp="1"/>
+          </p:cNvSpPr>
+          <p:nvPr>
+            <p:ph type="body" idx="1"/>
+          </p:nvPr>
+        </p:nvSpPr>
+        <p:spPr/>
+        <p:txBody>
+          <a:bodyPr/>
+          <a:lstStyle/>
+          <a:p>
+            <a:r>
+              <a:rPr lang="en-MX" dirty="0"/>
+              <a:t>La variable contiene valores binarios</a:t>
+            </a:r>
+          </a:p>
+          <a:p>
+            <a:r>
+              <a:rPr lang="en-MX" dirty="0"/>
+              <a:t>Tiene una capacidad maxima de bits.</a:t>
+            </a:r>
+          </a:p>
+          <a:p>
+            <a:r>
+              <a:rPr lang="en-MX" dirty="0"/>
+              <a:t>Que pasa si intentamos meter 16 bits </a:t>
+            </a:r>
+          </a:p>
+          <a:p>
+            <a:pPr marL="137160" indent="0">
+              <a:buNone/>
+            </a:pPr>
+            <a:r>
+              <a:rPr lang="en-MX" dirty="0"/>
+              <a:t>en una variable de 8 bits?</a:t>
+            </a:r>
+          </a:p>
+          <a:p>
+            <a:pPr marL="137160" indent="0">
+              <a:buNone/>
+            </a:pPr>
+            <a:endParaRPr lang="en-MX" dirty="0"/>
+          </a:p>
+          <a:p>
+            <a:pPr marL="137160" indent="0">
+              <a:buNone/>
+            </a:pPr>
+            <a:endParaRPr lang="en-MX" dirty="0"/>
+          </a:p>
+        </p:txBody>
+      </p:sp>
+      <p:pic>
+        <p:nvPicPr>
+          <p:cNvPr id="5" name="Picture 4" descr="Un byte representado en codigo binario&#10;">
+            <a:extLst>
+              <a:ext uri="{FF2B5EF4-FFF2-40B4-BE49-F238E27FC236}">
+                <a16:creationId xmlns:a16="http://schemas.microsoft.com/office/drawing/2014/main" id="{0B253881-9B06-3F44-87C4-D3AC5421780A}"/>
+              </a:ext>
+            </a:extLst>
+          </p:cNvPr>
+          <p:cNvPicPr>
+            <a:picLocks noChangeAspect="1"/>
+          </p:cNvPicPr>
+          <p:nvPr/>
+        </p:nvPicPr>
+        <p:blipFill>
+          <a:blip r:embed="rId2"/>
+          <a:stretch>
+            <a:fillRect/>
+          </a:stretch>
+        </p:blipFill>
+        <p:spPr>
+          <a:xfrm>
+            <a:off x="5911133" y="816638"/>
+            <a:ext cx="2514600" cy="2070100"/>
+          </a:xfrm>
+          <a:prstGeom prst="rect">
+            <a:avLst/>
+          </a:prstGeom>
+        </p:spPr>
+      </p:pic>
+      <p:pic>
+        <p:nvPicPr>
+          <p:cNvPr id="7" name="Picture 6" descr="A picture containing table, white, flower, black&#10;&#10;Description automatically generated">
+            <a:extLst>
+              <a:ext uri="{FF2B5EF4-FFF2-40B4-BE49-F238E27FC236}">
+                <a16:creationId xmlns:a16="http://schemas.microsoft.com/office/drawing/2014/main" id="{4F9D9A55-02AC-8642-A163-86C205F60AED}"/>
+              </a:ext>
+            </a:extLst>
+          </p:cNvPr>
+          <p:cNvPicPr>
+            <a:picLocks noChangeAspect="1"/>
+          </p:cNvPicPr>
+          <p:nvPr/>
+        </p:nvPicPr>
+        <p:blipFill>
+          <a:blip r:embed="rId3"/>
+          <a:stretch>
+            <a:fillRect/>
+          </a:stretch>
+        </p:blipFill>
+        <p:spPr>
+          <a:xfrm>
+            <a:off x="7168433" y="1519881"/>
+            <a:ext cx="3892934" cy="4521481"/>
+          </a:xfrm>
+          <a:prstGeom prst="rect">
+            <a:avLst/>
+          </a:prstGeom>
+        </p:spPr>
+      </p:pic>
+    </p:spTree>
+    <p:extLst>
+      <p:ext uri="{BB962C8B-B14F-4D97-AF65-F5344CB8AC3E}">
+        <p14:creationId xmlns:p14="http://schemas.microsoft.com/office/powerpoint/2010/main" val="94040809"/>
+      </p:ext>
+    </p:extLst>
+  </p:cSld>
+  <p:clrMapOvr>
+    <a:masterClrMapping/>
+  </p:clrMapOvr>
+</p:sld>
+</file>
+
+<file path=ppt/slides/slide15.xml><?xml version="1.0" encoding="utf-8"?>
+<p:sld xmlns:a="http://schemas.openxmlformats.org/drawingml/2006/main" xmlns:r="http://schemas.openxmlformats.org/officeDocument/2006/relationships" xmlns:p="http://schemas.openxmlformats.org/presentationml/2006/main">
+  <p:cSld>
+    <p:spTree>
+      <p:nvGrpSpPr>
+        <p:cNvPr id="1" name=""/>
+        <p:cNvGrpSpPr/>
+        <p:nvPr/>
+      </p:nvGrpSpPr>
+      <p:grpSpPr>
+        <a:xfrm>
+          <a:off x="0" y="0"/>
+          <a:ext cx="0" cy="0"/>
+          <a:chOff x="0" y="0"/>
+          <a:chExt cx="0" cy="0"/>
+        </a:xfrm>
+      </p:grpSpPr>
+      <p:sp>
+        <p:nvSpPr>
+          <p:cNvPr id="2" name="Title 1">
+            <a:extLst>
+              <a:ext uri="{FF2B5EF4-FFF2-40B4-BE49-F238E27FC236}">
+                <a16:creationId xmlns:a16="http://schemas.microsoft.com/office/drawing/2014/main" id="{AC27FC2E-8169-164C-9768-F7F5B21CC19E}"/>
+              </a:ext>
+            </a:extLst>
+          </p:cNvPr>
+          <p:cNvSpPr>
+            <a:spLocks noGrp="1"/>
+          </p:cNvSpPr>
+          <p:nvPr>
+            <p:ph type="title"/>
+          </p:nvPr>
+        </p:nvSpPr>
+        <p:spPr/>
+        <p:txBody>
+          <a:bodyPr/>
+          <a:lstStyle/>
+          <a:p>
+            <a:r>
+              <a:rPr lang="en-MX" dirty="0"/>
+              <a:t>Variables por Referencia</a:t>
+            </a:r>
+          </a:p>
+        </p:txBody>
+      </p:sp>
+      <p:sp>
+        <p:nvSpPr>
+          <p:cNvPr id="3" name="Text Placeholder 2">
+            <a:extLst>
+              <a:ext uri="{FF2B5EF4-FFF2-40B4-BE49-F238E27FC236}">
+                <a16:creationId xmlns:a16="http://schemas.microsoft.com/office/drawing/2014/main" id="{41163F9B-E90B-6F43-9277-49E50EDC3E2A}"/>
+              </a:ext>
+            </a:extLst>
+          </p:cNvPr>
+          <p:cNvSpPr>
+            <a:spLocks noGrp="1"/>
+          </p:cNvSpPr>
+          <p:nvPr>
+            <p:ph type="body" idx="1"/>
+          </p:nvPr>
+        </p:nvSpPr>
+        <p:spPr/>
+        <p:txBody>
+          <a:bodyPr/>
+          <a:lstStyle/>
+          <a:p>
+            <a:r>
+              <a:rPr lang="en-MX" dirty="0"/>
+              <a:t>Cuantos bits contiene…</a:t>
+            </a:r>
+          </a:p>
+          <a:p>
+            <a:pPr lvl="1"/>
+            <a:r>
+              <a:rPr lang="en-US" dirty="0"/>
+              <a:t>El character ‘N’?</a:t>
+            </a:r>
+          </a:p>
+          <a:p>
+            <a:pPr lvl="1"/>
+            <a:r>
+              <a:rPr lang="en-US" dirty="0"/>
+              <a:t>La </a:t>
+            </a:r>
+            <a:r>
+              <a:rPr lang="en-US" dirty="0" err="1"/>
+              <a:t>cadena</a:t>
+            </a:r>
+            <a:r>
+              <a:rPr lang="en-US" dirty="0"/>
+              <a:t> “Hola”?</a:t>
+            </a:r>
+          </a:p>
+          <a:p>
+            <a:pPr lvl="1"/>
+            <a:r>
+              <a:rPr lang="en-US" dirty="0"/>
+              <a:t>La variable Dog?</a:t>
+            </a:r>
+          </a:p>
+          <a:p>
+            <a:pPr lvl="1"/>
+            <a:r>
+              <a:rPr lang="en-US" dirty="0"/>
+              <a:t>La </a:t>
+            </a:r>
+            <a:r>
+              <a:rPr lang="en-US" dirty="0" err="1"/>
+              <a:t>frase</a:t>
+            </a:r>
+            <a:r>
+              <a:rPr lang="en-US" dirty="0"/>
+              <a:t> “El </a:t>
+            </a:r>
+            <a:r>
+              <a:rPr lang="en-US" dirty="0" err="1"/>
+              <a:t>respeto</a:t>
+            </a:r>
+            <a:r>
+              <a:rPr lang="en-US" dirty="0"/>
+              <a:t> al </a:t>
+            </a:r>
+          </a:p>
+          <a:p>
+            <a:pPr marL="604520" lvl="1" indent="0">
+              <a:buNone/>
+            </a:pPr>
+            <a:r>
+              <a:rPr lang="en-US" dirty="0"/>
+              <a:t>derecho </a:t>
+            </a:r>
+            <a:r>
+              <a:rPr lang="en-US" dirty="0" err="1"/>
+              <a:t>ajeno</a:t>
+            </a:r>
+            <a:r>
+              <a:rPr lang="en-US" dirty="0"/>
+              <a:t>, es la </a:t>
+            </a:r>
+            <a:r>
+              <a:rPr lang="en-US" dirty="0" err="1"/>
+              <a:t>paz</a:t>
+            </a:r>
+            <a:r>
+              <a:rPr lang="en-US" dirty="0"/>
+              <a:t>”?</a:t>
+            </a:r>
+          </a:p>
+          <a:p>
+            <a:pPr lvl="1"/>
+            <a:r>
+              <a:rPr lang="en-US" dirty="0"/>
+              <a:t>La variable de </a:t>
+            </a:r>
+            <a:r>
+              <a:rPr lang="en-US" dirty="0" err="1"/>
+              <a:t>tipo</a:t>
+            </a:r>
+            <a:r>
+              <a:rPr lang="en-US" dirty="0"/>
+              <a:t> Dog?</a:t>
+            </a:r>
+          </a:p>
+          <a:p>
+            <a:r>
+              <a:rPr lang="en-US" dirty="0" err="1"/>
+              <a:t>Estas</a:t>
+            </a:r>
+            <a:r>
+              <a:rPr lang="en-US" dirty="0"/>
+              <a:t> variables se </a:t>
+            </a:r>
+            <a:r>
+              <a:rPr lang="en-US" dirty="0" err="1"/>
+              <a:t>acceden</a:t>
+            </a:r>
+            <a:r>
+              <a:rPr lang="en-US" dirty="0"/>
+              <a:t> por</a:t>
+            </a:r>
+          </a:p>
+          <a:p>
+            <a:pPr marL="137160" indent="0">
+              <a:buNone/>
+            </a:pPr>
+            <a:r>
+              <a:rPr lang="en-US" dirty="0" err="1"/>
+              <a:t>referencia</a:t>
+            </a:r>
+            <a:endParaRPr lang="en-US" dirty="0"/>
+          </a:p>
+          <a:p>
+            <a:pPr lvl="1"/>
+            <a:endParaRPr lang="en-US" dirty="0"/>
+          </a:p>
+          <a:p>
+            <a:pPr marL="604520" lvl="1" indent="0">
+              <a:buNone/>
+            </a:pPr>
+            <a:endParaRPr lang="en-US" dirty="0"/>
+          </a:p>
+          <a:p>
+            <a:pPr marL="604520" lvl="1" indent="0">
+              <a:buNone/>
+            </a:pPr>
+            <a:endParaRPr lang="en-MX" dirty="0"/>
+          </a:p>
+        </p:txBody>
+      </p:sp>
+      <p:pic>
+        <p:nvPicPr>
+          <p:cNvPr id="7" name="Picture 6" descr="A screenshot of a cell phone&#10;&#10;Description automatically generated">
+            <a:extLst>
+              <a:ext uri="{FF2B5EF4-FFF2-40B4-BE49-F238E27FC236}">
+                <a16:creationId xmlns:a16="http://schemas.microsoft.com/office/drawing/2014/main" id="{2C946CBA-87C8-B242-B5DA-06F39D407433}"/>
+              </a:ext>
+            </a:extLst>
+          </p:cNvPr>
+          <p:cNvPicPr>
+            <a:picLocks noChangeAspect="1"/>
+          </p:cNvPicPr>
+          <p:nvPr/>
+        </p:nvPicPr>
+        <p:blipFill>
+          <a:blip r:embed="rId2"/>
+          <a:stretch>
+            <a:fillRect/>
+          </a:stretch>
+        </p:blipFill>
+        <p:spPr>
+          <a:xfrm>
+            <a:off x="4522499" y="1287753"/>
+            <a:ext cx="2501900" cy="2819400"/>
+          </a:xfrm>
+          <a:prstGeom prst="rect">
+            <a:avLst/>
+          </a:prstGeom>
+        </p:spPr>
+      </p:pic>
+      <p:pic>
+        <p:nvPicPr>
+          <p:cNvPr id="9" name="Picture 8" descr="A hand holding a remote control&#10;&#10;Description automatically generated">
+            <a:extLst>
+              <a:ext uri="{FF2B5EF4-FFF2-40B4-BE49-F238E27FC236}">
+                <a16:creationId xmlns:a16="http://schemas.microsoft.com/office/drawing/2014/main" id="{DCE727B3-A504-D242-88A0-845A2FD1F071}"/>
+              </a:ext>
+            </a:extLst>
+          </p:cNvPr>
+          <p:cNvPicPr>
+            <a:picLocks noChangeAspect="1"/>
+          </p:cNvPicPr>
+          <p:nvPr/>
+        </p:nvPicPr>
+        <p:blipFill>
+          <a:blip r:embed="rId3"/>
+          <a:stretch>
+            <a:fillRect/>
+          </a:stretch>
+        </p:blipFill>
+        <p:spPr>
+          <a:xfrm>
+            <a:off x="5652724" y="2709540"/>
+            <a:ext cx="3120573" cy="3956441"/>
+          </a:xfrm>
+          <a:prstGeom prst="rect">
+            <a:avLst/>
+          </a:prstGeom>
+        </p:spPr>
+      </p:pic>
+    </p:spTree>
+    <p:extLst>
+      <p:ext uri="{BB962C8B-B14F-4D97-AF65-F5344CB8AC3E}">
+        <p14:creationId xmlns:p14="http://schemas.microsoft.com/office/powerpoint/2010/main" val="1834194915"/>
+      </p:ext>
+    </p:extLst>
+  </p:cSld>
+  <p:clrMapOvr>
+    <a:masterClrMapping/>
+  </p:clrMapOvr>
+</p:sld>
+</file>
+
+<file path=ppt/slides/slide16.xml><?xml version="1.0" encoding="utf-8"?>
+<p:sld xmlns:a="http://schemas.openxmlformats.org/drawingml/2006/main" xmlns:r="http://schemas.openxmlformats.org/officeDocument/2006/relationships" xmlns:p="http://schemas.openxmlformats.org/presentationml/2006/main">
+  <p:cSld>
+    <p:spTree>
+      <p:nvGrpSpPr>
+        <p:cNvPr id="1" name=""/>
+        <p:cNvGrpSpPr/>
+        <p:nvPr/>
+      </p:nvGrpSpPr>
+      <p:grpSpPr>
+        <a:xfrm>
+          <a:off x="0" y="0"/>
+          <a:ext cx="0" cy="0"/>
+          <a:chOff x="0" y="0"/>
+          <a:chExt cx="0" cy="0"/>
+        </a:xfrm>
+      </p:grpSpPr>
+      <p:sp>
+        <p:nvSpPr>
+          <p:cNvPr id="2" name="Title 1">
+            <a:extLst>
+              <a:ext uri="{FF2B5EF4-FFF2-40B4-BE49-F238E27FC236}">
+                <a16:creationId xmlns:a16="http://schemas.microsoft.com/office/drawing/2014/main" id="{A3606EAC-689B-924C-8D2D-2BB54BFEA821}"/>
+              </a:ext>
+            </a:extLst>
+          </p:cNvPr>
+          <p:cNvSpPr>
+            <a:spLocks noGrp="1"/>
+          </p:cNvSpPr>
+          <p:nvPr>
+            <p:ph type="title"/>
+          </p:nvPr>
+        </p:nvSpPr>
+        <p:spPr/>
+        <p:txBody>
+          <a:bodyPr/>
+          <a:lstStyle/>
+          <a:p>
+            <a:r>
+              <a:rPr lang="en-MX" dirty="0"/>
+              <a:t>Variables por referencia: Paso a paso</a:t>
+            </a:r>
+          </a:p>
+        </p:txBody>
+      </p:sp>
+      <p:sp>
+        <p:nvSpPr>
+          <p:cNvPr id="3" name="Text Placeholder 2">
+            <a:extLst>
+              <a:ext uri="{FF2B5EF4-FFF2-40B4-BE49-F238E27FC236}">
+                <a16:creationId xmlns:a16="http://schemas.microsoft.com/office/drawing/2014/main" id="{EEED3493-B86C-4B47-98E6-55B39E6E5CD8}"/>
+              </a:ext>
+            </a:extLst>
+          </p:cNvPr>
+          <p:cNvSpPr>
+            <a:spLocks noGrp="1"/>
+          </p:cNvSpPr>
+          <p:nvPr>
+            <p:ph type="body" idx="1"/>
+          </p:nvPr>
+        </p:nvSpPr>
+        <p:spPr/>
+        <p:txBody>
+          <a:bodyPr/>
+          <a:lstStyle/>
+          <a:p>
+            <a:r>
+              <a:rPr lang="en-MX" dirty="0"/>
+              <a:t>1. Declarar la variable</a:t>
+            </a:r>
+          </a:p>
+          <a:p>
+            <a:pPr marL="137160" indent="0">
+              <a:buNone/>
+            </a:pPr>
+            <a:r>
+              <a:rPr lang="en-MX" dirty="0"/>
+              <a:t>por referencia</a:t>
+            </a:r>
+          </a:p>
+          <a:p>
+            <a:pPr lvl="1"/>
+            <a:r>
+              <a:rPr lang="en-MX" dirty="0"/>
+              <a:t>Dog fido;</a:t>
+            </a:r>
+          </a:p>
+          <a:p>
+            <a:r>
+              <a:rPr lang="en-MX" dirty="0"/>
+              <a:t>2. Crear el objeto</a:t>
+            </a:r>
+          </a:p>
+          <a:p>
+            <a:pPr lvl="1"/>
+            <a:r>
+              <a:rPr lang="en-US" dirty="0"/>
+              <a:t>new Dog()</a:t>
+            </a:r>
+          </a:p>
+          <a:p>
+            <a:r>
+              <a:rPr lang="en-US" dirty="0"/>
+              <a:t>3. </a:t>
+            </a:r>
+            <a:r>
+              <a:rPr lang="en-US" dirty="0" err="1"/>
+              <a:t>Ligar</a:t>
+            </a:r>
+            <a:r>
+              <a:rPr lang="en-US" dirty="0"/>
+              <a:t> el </a:t>
+            </a:r>
+            <a:r>
+              <a:rPr lang="en-US" dirty="0" err="1"/>
+              <a:t>objeto</a:t>
+            </a:r>
+            <a:r>
+              <a:rPr lang="en-US" dirty="0"/>
+              <a:t> </a:t>
+            </a:r>
+          </a:p>
+          <a:p>
+            <a:pPr marL="137160" indent="0">
+              <a:buNone/>
+            </a:pPr>
+            <a:r>
+              <a:rPr lang="en-US" dirty="0"/>
+              <a:t>a la </a:t>
+            </a:r>
+            <a:r>
+              <a:rPr lang="en-US" dirty="0" err="1"/>
+              <a:t>referencia</a:t>
+            </a:r>
+            <a:endParaRPr lang="en-US" dirty="0"/>
+          </a:p>
+          <a:p>
+            <a:pPr lvl="1"/>
+            <a:r>
+              <a:rPr lang="en-US" dirty="0" err="1"/>
+              <a:t>fido</a:t>
+            </a:r>
+            <a:r>
+              <a:rPr lang="en-US" dirty="0"/>
+              <a:t> = new Dog();</a:t>
+            </a:r>
+            <a:endParaRPr lang="en-MX" dirty="0"/>
+          </a:p>
+        </p:txBody>
+      </p:sp>
+      <p:pic>
+        <p:nvPicPr>
+          <p:cNvPr id="5" name="Picture 4" descr="A picture containing cup, glass&#10;&#10;Description automatically generated">
+            <a:extLst>
+              <a:ext uri="{FF2B5EF4-FFF2-40B4-BE49-F238E27FC236}">
+                <a16:creationId xmlns:a16="http://schemas.microsoft.com/office/drawing/2014/main" id="{3A2A6D28-27A2-8041-953D-53D0076E277A}"/>
+              </a:ext>
+            </a:extLst>
+          </p:cNvPr>
+          <p:cNvPicPr>
+            <a:picLocks noChangeAspect="1"/>
+          </p:cNvPicPr>
+          <p:nvPr/>
+        </p:nvPicPr>
+        <p:blipFill>
+          <a:blip r:embed="rId2"/>
+          <a:stretch>
+            <a:fillRect/>
+          </a:stretch>
+        </p:blipFill>
+        <p:spPr>
+          <a:xfrm>
+            <a:off x="3613921" y="1205319"/>
+            <a:ext cx="1390901" cy="2178000"/>
+          </a:xfrm>
+          <a:prstGeom prst="rect">
+            <a:avLst/>
+          </a:prstGeom>
+          <a:effectLst>
+            <a:outerShdw blurRad="50800" dist="50800" dir="5400000" algn="ctr" rotWithShape="0">
+              <a:srgbClr val="000000">
+                <a:alpha val="42000"/>
+              </a:srgbClr>
+            </a:outerShdw>
+          </a:effectLst>
+        </p:spPr>
+      </p:pic>
+      <p:pic>
+        <p:nvPicPr>
+          <p:cNvPr id="7" name="Picture 6" descr="A picture containing pan, mirror&#10;&#10;Description automatically generated">
+            <a:extLst>
+              <a:ext uri="{FF2B5EF4-FFF2-40B4-BE49-F238E27FC236}">
+                <a16:creationId xmlns:a16="http://schemas.microsoft.com/office/drawing/2014/main" id="{9F8AA745-95B9-DC4F-8069-C97DEB619897}"/>
+              </a:ext>
+            </a:extLst>
+          </p:cNvPr>
+          <p:cNvPicPr>
+            <a:picLocks noChangeAspect="1"/>
+          </p:cNvPicPr>
+          <p:nvPr/>
+        </p:nvPicPr>
+        <p:blipFill>
+          <a:blip r:embed="rId3"/>
+          <a:stretch>
+            <a:fillRect/>
+          </a:stretch>
+        </p:blipFill>
+        <p:spPr>
+          <a:xfrm>
+            <a:off x="3531520" y="3791126"/>
+            <a:ext cx="1498874" cy="1625539"/>
+          </a:xfrm>
+          <a:prstGeom prst="rect">
+            <a:avLst/>
+          </a:prstGeom>
+        </p:spPr>
+      </p:pic>
+      <p:pic>
+        <p:nvPicPr>
+          <p:cNvPr id="11" name="Picture 10" descr="A picture containing black, table, white, pan&#10;&#10;Description automatically generated">
+            <a:extLst>
+              <a:ext uri="{FF2B5EF4-FFF2-40B4-BE49-F238E27FC236}">
+                <a16:creationId xmlns:a16="http://schemas.microsoft.com/office/drawing/2014/main" id="{AE6ECFB6-048B-5143-A539-2BDDBFA47FBE}"/>
+              </a:ext>
+            </a:extLst>
+          </p:cNvPr>
+          <p:cNvPicPr>
+            <a:picLocks noChangeAspect="1"/>
+          </p:cNvPicPr>
+          <p:nvPr/>
+        </p:nvPicPr>
+        <p:blipFill>
+          <a:blip r:embed="rId4"/>
+          <a:stretch>
+            <a:fillRect/>
+          </a:stretch>
+        </p:blipFill>
+        <p:spPr>
+          <a:xfrm>
+            <a:off x="5572772" y="1713526"/>
+            <a:ext cx="3104126" cy="2890369"/>
+          </a:xfrm>
+          <a:prstGeom prst="rect">
+            <a:avLst/>
+          </a:prstGeom>
+        </p:spPr>
+      </p:pic>
+    </p:spTree>
+    <p:extLst>
+      <p:ext uri="{BB962C8B-B14F-4D97-AF65-F5344CB8AC3E}">
+        <p14:creationId xmlns:p14="http://schemas.microsoft.com/office/powerpoint/2010/main" val="2180690830"/>
+      </p:ext>
+    </p:extLst>
+  </p:cSld>
+  <p:clrMapOvr>
+    <a:masterClrMapping/>
+  </p:clrMapOvr>
+</p:sld>
+</file>
+
+<file path=ppt/slides/slide17.xml><?xml version="1.0" encoding="utf-8"?>
+<p:sld xmlns:a="http://schemas.openxmlformats.org/drawingml/2006/main" xmlns:r="http://schemas.openxmlformats.org/officeDocument/2006/relationships" xmlns:p="http://schemas.openxmlformats.org/presentationml/2006/main">
+  <p:cSld>
+    <p:spTree>
+      <p:nvGrpSpPr>
+        <p:cNvPr id="1" name=""/>
+        <p:cNvGrpSpPr/>
+        <p:nvPr/>
+      </p:nvGrpSpPr>
+      <p:grpSpPr>
+        <a:xfrm>
+          <a:off x="0" y="0"/>
+          <a:ext cx="0" cy="0"/>
+          <a:chOff x="0" y="0"/>
+          <a:chExt cx="0" cy="0"/>
+        </a:xfrm>
+      </p:grpSpPr>
+      <p:sp>
+        <p:nvSpPr>
+          <p:cNvPr id="2" name="Title 1">
+            <a:extLst>
+              <a:ext uri="{FF2B5EF4-FFF2-40B4-BE49-F238E27FC236}">
+                <a16:creationId xmlns:a16="http://schemas.microsoft.com/office/drawing/2014/main" id="{CD9761C5-18B4-8B45-ABCB-BDAAAE0907B5}"/>
+              </a:ext>
+            </a:extLst>
+          </p:cNvPr>
+          <p:cNvSpPr>
+            <a:spLocks noGrp="1"/>
+          </p:cNvSpPr>
+          <p:nvPr>
+            <p:ph type="title"/>
+          </p:nvPr>
+        </p:nvSpPr>
+        <p:spPr/>
+        <p:txBody>
+          <a:bodyPr/>
+          <a:lstStyle/>
+          <a:p>
+            <a:r>
+              <a:rPr lang="en-MX" dirty="0"/>
+              <a:t>Arreglos</a:t>
+            </a:r>
+          </a:p>
+        </p:txBody>
+      </p:sp>
+      <p:sp>
+        <p:nvSpPr>
+          <p:cNvPr id="3" name="Text Placeholder 2">
+            <a:extLst>
+              <a:ext uri="{FF2B5EF4-FFF2-40B4-BE49-F238E27FC236}">
+                <a16:creationId xmlns:a16="http://schemas.microsoft.com/office/drawing/2014/main" id="{337A531F-E4C9-7642-BDF5-C024AB675127}"/>
+              </a:ext>
+            </a:extLst>
+          </p:cNvPr>
+          <p:cNvSpPr>
+            <a:spLocks noGrp="1"/>
+          </p:cNvSpPr>
+          <p:nvPr>
+            <p:ph type="body" idx="1"/>
+          </p:nvPr>
+        </p:nvSpPr>
+        <p:spPr/>
+        <p:txBody>
+          <a:bodyPr/>
+          <a:lstStyle/>
+          <a:p>
+            <a:r>
+              <a:rPr lang="en-MX" sz="1400" dirty="0"/>
+              <a:t>Los arreglos tambien son objetos</a:t>
+            </a:r>
+          </a:p>
+          <a:p>
+            <a:r>
+              <a:rPr lang="en-MX" sz="1400" dirty="0"/>
+              <a:t>Pueden contener </a:t>
+            </a:r>
+          </a:p>
+          <a:p>
+            <a:pPr lvl="1"/>
+            <a:r>
+              <a:rPr lang="en-US" sz="1400" dirty="0"/>
+              <a:t>P</a:t>
+            </a:r>
+            <a:r>
+              <a:rPr lang="en-MX" sz="1400" dirty="0"/>
+              <a:t>rimitivos</a:t>
+            </a:r>
+          </a:p>
+          <a:p>
+            <a:pPr lvl="1"/>
+            <a:r>
+              <a:rPr lang="en-MX" sz="1400" dirty="0"/>
+              <a:t> Variables de referencia</a:t>
+            </a:r>
+          </a:p>
+          <a:p>
+            <a:r>
+              <a:rPr lang="en-MX" sz="1400" dirty="0"/>
+              <a:t>Incluso otros arreglos</a:t>
+            </a:r>
+          </a:p>
+          <a:p>
+            <a:endParaRPr lang="en-MX" dirty="0"/>
+          </a:p>
+        </p:txBody>
+      </p:sp>
+      <p:pic>
+        <p:nvPicPr>
+          <p:cNvPr id="9" name="Picture 8" descr="A close up of a logo&#10;&#10;Description automatically generated">
+            <a:extLst>
+              <a:ext uri="{FF2B5EF4-FFF2-40B4-BE49-F238E27FC236}">
+                <a16:creationId xmlns:a16="http://schemas.microsoft.com/office/drawing/2014/main" id="{9FF56AFA-C931-AA49-BC38-B86946AB96D1}"/>
+              </a:ext>
+            </a:extLst>
+          </p:cNvPr>
+          <p:cNvPicPr>
+            <a:picLocks noChangeAspect="1"/>
+          </p:cNvPicPr>
+          <p:nvPr/>
+        </p:nvPicPr>
+        <p:blipFill>
+          <a:blip r:embed="rId2"/>
+          <a:stretch>
+            <a:fillRect/>
+          </a:stretch>
+        </p:blipFill>
+        <p:spPr>
+          <a:xfrm>
+            <a:off x="4756378" y="713399"/>
+            <a:ext cx="5939960" cy="3880774"/>
+          </a:xfrm>
+          <a:prstGeom prst="rect">
+            <a:avLst/>
+          </a:prstGeom>
+        </p:spPr>
+      </p:pic>
+      <p:pic>
+        <p:nvPicPr>
+          <p:cNvPr id="11" name="Picture 10" descr="A cup of coffee and a glass of beer on a table&#10;&#10;Description automatically generated">
+            <a:extLst>
+              <a:ext uri="{FF2B5EF4-FFF2-40B4-BE49-F238E27FC236}">
+                <a16:creationId xmlns:a16="http://schemas.microsoft.com/office/drawing/2014/main" id="{46A1606F-8AA8-804F-AEF5-C9DE02AC638F}"/>
+              </a:ext>
+            </a:extLst>
+          </p:cNvPr>
+          <p:cNvPicPr>
+            <a:picLocks noChangeAspect="1"/>
+          </p:cNvPicPr>
+          <p:nvPr/>
+        </p:nvPicPr>
+        <p:blipFill>
+          <a:blip r:embed="rId3"/>
+          <a:stretch>
+            <a:fillRect/>
+          </a:stretch>
+        </p:blipFill>
+        <p:spPr>
+          <a:xfrm>
+            <a:off x="6399776" y="3478822"/>
+            <a:ext cx="4428104" cy="2769578"/>
+          </a:xfrm>
+          <a:prstGeom prst="rect">
+            <a:avLst/>
+          </a:prstGeom>
+        </p:spPr>
+      </p:pic>
+      <p:pic>
+        <p:nvPicPr>
+          <p:cNvPr id="13" name="Picture 12" descr="A picture containing food, cup, table, coffee&#10;&#10;Description automatically generated">
+            <a:extLst>
+              <a:ext uri="{FF2B5EF4-FFF2-40B4-BE49-F238E27FC236}">
+                <a16:creationId xmlns:a16="http://schemas.microsoft.com/office/drawing/2014/main" id="{136A7A5B-9CC0-5945-8065-ACE3A1913940}"/>
+              </a:ext>
+            </a:extLst>
+          </p:cNvPr>
+          <p:cNvPicPr>
+            <a:picLocks noChangeAspect="1"/>
+          </p:cNvPicPr>
+          <p:nvPr/>
+        </p:nvPicPr>
+        <p:blipFill>
+          <a:blip r:embed="rId4"/>
+          <a:stretch>
+            <a:fillRect/>
+          </a:stretch>
+        </p:blipFill>
+        <p:spPr>
+          <a:xfrm>
+            <a:off x="1033880" y="4065293"/>
+            <a:ext cx="3768236" cy="2711988"/>
+          </a:xfrm>
+          <a:prstGeom prst="rect">
+            <a:avLst/>
+          </a:prstGeom>
+        </p:spPr>
+      </p:pic>
+    </p:spTree>
+    <p:extLst>
+      <p:ext uri="{BB962C8B-B14F-4D97-AF65-F5344CB8AC3E}">
+        <p14:creationId xmlns:p14="http://schemas.microsoft.com/office/powerpoint/2010/main" val="3331026618"/>
+      </p:ext>
+    </p:extLst>
+  </p:cSld>
+  <p:clrMapOvr>
+    <a:masterClrMapping/>
+  </p:clrMapOvr>
+</p:sld>
+</file>
+
+<file path=ppt/slides/slide18.xml><?xml version="1.0" encoding="utf-8"?>
+<p:sld xmlns:a="http://schemas.openxmlformats.org/drawingml/2006/main" xmlns:r="http://schemas.openxmlformats.org/officeDocument/2006/relationships" xmlns:p="http://schemas.openxmlformats.org/presentationml/2006/main">
+  <p:cSld>
+    <p:spTree>
+      <p:nvGrpSpPr>
+        <p:cNvPr id="1" name=""/>
+        <p:cNvGrpSpPr/>
+        <p:nvPr/>
+      </p:nvGrpSpPr>
+      <p:grpSpPr>
+        <a:xfrm>
+          <a:off x="0" y="0"/>
+          <a:ext cx="0" cy="0"/>
+          <a:chOff x="0" y="0"/>
+          <a:chExt cx="0" cy="0"/>
+        </a:xfrm>
+      </p:grpSpPr>
+      <p:sp>
+        <p:nvSpPr>
+          <p:cNvPr id="2" name="Title 1">
+            <a:extLst>
+              <a:ext uri="{FF2B5EF4-FFF2-40B4-BE49-F238E27FC236}">
+                <a16:creationId xmlns:a16="http://schemas.microsoft.com/office/drawing/2014/main" id="{4C929C88-76D5-8A4A-A3C5-2FEB4065B382}"/>
+              </a:ext>
+            </a:extLst>
+          </p:cNvPr>
+          <p:cNvSpPr>
+            <a:spLocks noGrp="1"/>
+          </p:cNvSpPr>
+          <p:nvPr>
+            <p:ph type="title"/>
+          </p:nvPr>
+        </p:nvSpPr>
+        <p:spPr/>
+        <p:txBody>
+          <a:bodyPr/>
+          <a:lstStyle/>
+          <a:p>
+            <a:r>
+              <a:rPr lang="en-MX" dirty="0"/>
+              <a:t>Arreglo de Objetos</a:t>
+            </a:r>
+          </a:p>
+        </p:txBody>
+      </p:sp>
+      <p:sp>
+        <p:nvSpPr>
+          <p:cNvPr id="3" name="Text Placeholder 2">
+            <a:extLst>
+              <a:ext uri="{FF2B5EF4-FFF2-40B4-BE49-F238E27FC236}">
+                <a16:creationId xmlns:a16="http://schemas.microsoft.com/office/drawing/2014/main" id="{25484E88-DF6B-FB42-B8C3-694F91E15E52}"/>
+              </a:ext>
+            </a:extLst>
+          </p:cNvPr>
+          <p:cNvSpPr>
+            <a:spLocks noGrp="1"/>
+          </p:cNvSpPr>
+          <p:nvPr>
+            <p:ph type="body" idx="1"/>
+          </p:nvPr>
+        </p:nvSpPr>
+        <p:spPr/>
+        <p:txBody>
+          <a:bodyPr/>
+          <a:lstStyle/>
+          <a:p>
+            <a:r>
+              <a:rPr lang="en-MX" dirty="0"/>
+              <a:t>Cada celda contiene </a:t>
+            </a:r>
+          </a:p>
+          <a:p>
+            <a:pPr marL="137160" indent="0">
+              <a:buNone/>
+            </a:pPr>
+            <a:r>
+              <a:rPr lang="en-MX" dirty="0"/>
+              <a:t>variables de referencia</a:t>
+            </a:r>
+          </a:p>
+          <a:p>
+            <a:r>
+              <a:rPr lang="en-MX" dirty="0"/>
+              <a:t>Algunas tienen referencia </a:t>
+            </a:r>
+          </a:p>
+          <a:p>
+            <a:pPr marL="137160" indent="0">
+              <a:buNone/>
+            </a:pPr>
+            <a:r>
+              <a:rPr lang="en-MX" dirty="0"/>
+              <a:t>a objetos</a:t>
+            </a:r>
+          </a:p>
+          <a:p>
+            <a:r>
+              <a:rPr lang="en-MX" dirty="0"/>
+              <a:t>Otras no apuntan a ningun</a:t>
+            </a:r>
+          </a:p>
+          <a:p>
+            <a:pPr marL="137160" indent="0">
+              <a:buNone/>
+            </a:pPr>
+            <a:r>
+              <a:rPr lang="en-US" dirty="0"/>
+              <a:t>O</a:t>
+            </a:r>
+            <a:r>
+              <a:rPr lang="en-MX" dirty="0"/>
+              <a:t>bjeto (Referencias nulas)</a:t>
+            </a:r>
+          </a:p>
+          <a:p>
+            <a:r>
+              <a:rPr lang="en-MX" dirty="0"/>
+              <a:t>Como se veria un arreglo</a:t>
+            </a:r>
+          </a:p>
+          <a:p>
+            <a:pPr marL="137160" indent="0">
+              <a:buNone/>
+            </a:pPr>
+            <a:r>
+              <a:rPr lang="en-MX" dirty="0"/>
+              <a:t>de arreglos?</a:t>
+            </a:r>
+          </a:p>
+          <a:p>
+            <a:pPr marL="137160" indent="0">
+              <a:buNone/>
+            </a:pPr>
+            <a:endParaRPr lang="en-MX" dirty="0"/>
+          </a:p>
+        </p:txBody>
+      </p:sp>
+      <p:pic>
+        <p:nvPicPr>
+          <p:cNvPr id="5" name="Picture 4" descr="A picture containing clock&#10;&#10;Description automatically generated">
+            <a:extLst>
+              <a:ext uri="{FF2B5EF4-FFF2-40B4-BE49-F238E27FC236}">
+                <a16:creationId xmlns:a16="http://schemas.microsoft.com/office/drawing/2014/main" id="{16D3CF02-36B8-DC48-AFE8-77680213CA69}"/>
+              </a:ext>
+            </a:extLst>
+          </p:cNvPr>
+          <p:cNvPicPr>
+            <a:picLocks noChangeAspect="1"/>
+          </p:cNvPicPr>
+          <p:nvPr/>
+        </p:nvPicPr>
+        <p:blipFill>
+          <a:blip r:embed="rId2"/>
+          <a:stretch>
+            <a:fillRect/>
+          </a:stretch>
+        </p:blipFill>
+        <p:spPr>
+          <a:xfrm>
+            <a:off x="4041058" y="1423651"/>
+            <a:ext cx="6433505" cy="4692367"/>
+          </a:xfrm>
+          <a:prstGeom prst="rect">
+            <a:avLst/>
+          </a:prstGeom>
+        </p:spPr>
+      </p:pic>
+    </p:spTree>
+    <p:extLst>
+      <p:ext uri="{BB962C8B-B14F-4D97-AF65-F5344CB8AC3E}">
+        <p14:creationId xmlns:p14="http://schemas.microsoft.com/office/powerpoint/2010/main" val="1950550833"/>
+      </p:ext>
+    </p:extLst>
+  </p:cSld>
+  <p:clrMapOvr>
+    <a:masterClrMapping/>
+  </p:clrMapOvr>
+</p:sld>
+</file>
+
+<file path=ppt/slides/slide19.xml><?xml version="1.0" encoding="utf-8"?>
 <p:sld xmlns:a="http://schemas.openxmlformats.org/drawingml/2006/main" xmlns:r="http://schemas.openxmlformats.org/officeDocument/2006/relationships" xmlns:p="http://schemas.openxmlformats.org/presentationml/2006/main">
   <p:cSld>
     <p:spTree>
@@ -27162,552 +28143,6 @@
   <p:cSld>
     <p:spTree>
       <p:nvGrpSpPr>
-        <p:cNvPr id="1" name="Shape 149"/>
-        <p:cNvGrpSpPr/>
-        <p:nvPr/>
-      </p:nvGrpSpPr>
-      <p:grpSpPr>
-        <a:xfrm>
-          <a:off x="0" y="0"/>
-          <a:ext cx="0" cy="0"/>
-          <a:chOff x="0" y="0"/>
-          <a:chExt cx="0" cy="0"/>
-        </a:xfrm>
-      </p:grpSpPr>
-      <p:sp>
-        <p:nvSpPr>
-          <p:cNvPr id="150" name="Shape 150"/>
-          <p:cNvSpPr txBox="1">
-            <a:spLocks noGrp="1"/>
-          </p:cNvSpPr>
-          <p:nvPr>
-            <p:ph type="title"/>
-          </p:nvPr>
-        </p:nvSpPr>
-        <p:spPr>
-          <a:xfrm>
-            <a:off x="677334" y="609600"/>
-            <a:ext cx="8596668" cy="1320800"/>
-          </a:xfrm>
-          <a:prstGeom prst="rect">
-            <a:avLst/>
-          </a:prstGeom>
-          <a:noFill/>
-          <a:ln>
-            <a:noFill/>
-          </a:ln>
-        </p:spPr>
-        <p:txBody>
-          <a:bodyPr spcFirstLastPara="1" wrap="square" lIns="91425" tIns="45700" rIns="91425" bIns="45700" anchor="t" anchorCtr="0">
-            <a:noAutofit/>
-          </a:bodyPr>
-          <a:lstStyle/>
-          <a:p>
-            <a:pPr marL="0" marR="0" lvl="0" indent="0" algn="l" rtl="0">
-              <a:spcBef>
-                <a:spcPts val="0"/>
-              </a:spcBef>
-              <a:spcAft>
-                <a:spcPts val="0"/>
-              </a:spcAft>
-              <a:buClr>
-                <a:schemeClr val="accent1"/>
-              </a:buClr>
-              <a:buFont typeface="Trebuchet MS"/>
-              <a:buNone/>
-            </a:pPr>
-            <a:r>
-              <a:rPr lang="es-ES" sz="3600" b="0" i="0" u="none" strike="noStrike" cap="none">
-                <a:solidFill>
-                  <a:schemeClr val="accent1"/>
-                </a:solidFill>
-                <a:latin typeface="Trebuchet MS"/>
-                <a:ea typeface="Trebuchet MS"/>
-                <a:cs typeface="Trebuchet MS"/>
-                <a:sym typeface="Trebuchet MS"/>
-              </a:rPr>
-              <a:t>Objetivos</a:t>
-            </a:r>
-            <a:endParaRPr sz="3600" b="0" i="0" u="none" strike="noStrike" cap="none">
-              <a:solidFill>
-                <a:schemeClr val="accent1"/>
-              </a:solidFill>
-              <a:latin typeface="Trebuchet MS"/>
-              <a:ea typeface="Trebuchet MS"/>
-              <a:cs typeface="Trebuchet MS"/>
-              <a:sym typeface="Trebuchet MS"/>
-            </a:endParaRPr>
-          </a:p>
-        </p:txBody>
-      </p:sp>
-      <p:grpSp>
-        <p:nvGrpSpPr>
-          <p:cNvPr id="151" name="Shape 151"/>
-          <p:cNvGrpSpPr/>
-          <p:nvPr/>
-        </p:nvGrpSpPr>
-        <p:grpSpPr>
-          <a:xfrm>
-            <a:off x="2141878" y="2717340"/>
-            <a:ext cx="7132124" cy="2897580"/>
-            <a:chOff x="732029" y="133"/>
-            <a:chExt cx="7132124" cy="2897580"/>
-          </a:xfrm>
-        </p:grpSpPr>
-        <p:sp>
-          <p:nvSpPr>
-            <p:cNvPr id="152" name="Shape 152"/>
-            <p:cNvSpPr/>
-            <p:nvPr/>
-          </p:nvSpPr>
-          <p:spPr>
-            <a:xfrm>
-              <a:off x="732029" y="133"/>
-              <a:ext cx="2228700" cy="1337400"/>
-            </a:xfrm>
-            <a:prstGeom prst="rect">
-              <a:avLst/>
-            </a:prstGeom>
-            <a:solidFill>
-              <a:srgbClr val="90C223"/>
-            </a:solidFill>
-            <a:ln w="19050" cap="rnd" cmpd="sng">
-              <a:solidFill>
-                <a:schemeClr val="lt1"/>
-              </a:solidFill>
-              <a:prstDash val="solid"/>
-              <a:round/>
-              <a:headEnd type="none" w="sm" len="sm"/>
-              <a:tailEnd type="none" w="sm" len="sm"/>
-            </a:ln>
-          </p:spPr>
-          <p:txBody>
-            <a:bodyPr spcFirstLastPara="1" wrap="square" lIns="91425" tIns="91425" rIns="91425" bIns="91425" anchor="ctr" anchorCtr="0">
-              <a:noAutofit/>
-            </a:bodyPr>
-            <a:lstStyle/>
-            <a:p>
-              <a:pPr marL="0" lvl="0" indent="0">
-                <a:spcBef>
-                  <a:spcPts val="0"/>
-                </a:spcBef>
-                <a:spcAft>
-                  <a:spcPts val="0"/>
-                </a:spcAft>
-                <a:buNone/>
-              </a:pPr>
-              <a:endParaRPr/>
-            </a:p>
-          </p:txBody>
-        </p:sp>
-        <p:sp>
-          <p:nvSpPr>
-            <p:cNvPr id="153" name="Shape 153"/>
-            <p:cNvSpPr txBox="1"/>
-            <p:nvPr/>
-          </p:nvSpPr>
-          <p:spPr>
-            <a:xfrm>
-              <a:off x="732029" y="133"/>
-              <a:ext cx="2228700" cy="1337400"/>
-            </a:xfrm>
-            <a:prstGeom prst="rect">
-              <a:avLst/>
-            </a:prstGeom>
-            <a:noFill/>
-            <a:ln>
-              <a:noFill/>
-            </a:ln>
-          </p:spPr>
-          <p:txBody>
-            <a:bodyPr spcFirstLastPara="1" wrap="square" lIns="95250" tIns="95250" rIns="95250" bIns="95250" anchor="ctr" anchorCtr="0">
-              <a:noAutofit/>
-            </a:bodyPr>
-            <a:lstStyle/>
-            <a:p>
-              <a:pPr marL="0" marR="0" lvl="0" indent="0" algn="ctr" rtl="0">
-                <a:lnSpc>
-                  <a:spcPct val="90000"/>
-                </a:lnSpc>
-                <a:spcBef>
-                  <a:spcPts val="0"/>
-                </a:spcBef>
-                <a:spcAft>
-                  <a:spcPts val="0"/>
-                </a:spcAft>
-                <a:buNone/>
-              </a:pPr>
-              <a:r>
-                <a:rPr lang="es-ES" sz="2500" dirty="0">
-                  <a:solidFill>
-                    <a:schemeClr val="lt1"/>
-                  </a:solidFill>
-                  <a:latin typeface="Calibri"/>
-                  <a:ea typeface="Calibri"/>
-                  <a:cs typeface="Calibri"/>
-                  <a:sym typeface="Calibri"/>
-                </a:rPr>
-                <a:t>Conceptos de Programación</a:t>
-              </a:r>
-              <a:endParaRPr sz="2500" b="0" i="0" u="none" strike="noStrike" cap="none" dirty="0">
-                <a:solidFill>
-                  <a:schemeClr val="lt1"/>
-                </a:solidFill>
-                <a:latin typeface="Trebuchet MS"/>
-                <a:ea typeface="Trebuchet MS"/>
-                <a:cs typeface="Trebuchet MS"/>
-                <a:sym typeface="Trebuchet MS"/>
-              </a:endParaRPr>
-            </a:p>
-          </p:txBody>
-        </p:sp>
-        <p:sp>
-          <p:nvSpPr>
-            <p:cNvPr id="154" name="Shape 154"/>
-            <p:cNvSpPr/>
-            <p:nvPr/>
-          </p:nvSpPr>
-          <p:spPr>
-            <a:xfrm>
-              <a:off x="3183741" y="133"/>
-              <a:ext cx="2228700" cy="1337400"/>
-            </a:xfrm>
-            <a:prstGeom prst="rect">
-              <a:avLst/>
-            </a:prstGeom>
-            <a:solidFill>
-              <a:srgbClr val="90C223"/>
-            </a:solidFill>
-            <a:ln w="19050" cap="rnd" cmpd="sng">
-              <a:solidFill>
-                <a:schemeClr val="lt1"/>
-              </a:solidFill>
-              <a:prstDash val="solid"/>
-              <a:round/>
-              <a:headEnd type="none" w="sm" len="sm"/>
-              <a:tailEnd type="none" w="sm" len="sm"/>
-            </a:ln>
-          </p:spPr>
-          <p:txBody>
-            <a:bodyPr spcFirstLastPara="1" wrap="square" lIns="91425" tIns="91425" rIns="91425" bIns="91425" anchor="ctr" anchorCtr="0">
-              <a:noAutofit/>
-            </a:bodyPr>
-            <a:lstStyle/>
-            <a:p>
-              <a:pPr marL="0" lvl="0" indent="0">
-                <a:spcBef>
-                  <a:spcPts val="0"/>
-                </a:spcBef>
-                <a:spcAft>
-                  <a:spcPts val="0"/>
-                </a:spcAft>
-                <a:buNone/>
-              </a:pPr>
-              <a:endParaRPr/>
-            </a:p>
-          </p:txBody>
-        </p:sp>
-        <p:sp>
-          <p:nvSpPr>
-            <p:cNvPr id="155" name="Shape 155"/>
-            <p:cNvSpPr txBox="1"/>
-            <p:nvPr/>
-          </p:nvSpPr>
-          <p:spPr>
-            <a:xfrm>
-              <a:off x="3183741" y="133"/>
-              <a:ext cx="2228700" cy="1337400"/>
-            </a:xfrm>
-            <a:prstGeom prst="rect">
-              <a:avLst/>
-            </a:prstGeom>
-            <a:noFill/>
-            <a:ln>
-              <a:noFill/>
-            </a:ln>
-          </p:spPr>
-          <p:txBody>
-            <a:bodyPr spcFirstLastPara="1" wrap="square" lIns="95250" tIns="95250" rIns="95250" bIns="95250" anchor="ctr" anchorCtr="0">
-              <a:noAutofit/>
-            </a:bodyPr>
-            <a:lstStyle/>
-            <a:p>
-              <a:pPr marL="0" lvl="0" indent="0" algn="ctr" rtl="0">
-                <a:lnSpc>
-                  <a:spcPct val="90000"/>
-                </a:lnSpc>
-                <a:spcBef>
-                  <a:spcPts val="0"/>
-                </a:spcBef>
-                <a:spcAft>
-                  <a:spcPts val="0"/>
-                </a:spcAft>
-                <a:buClr>
-                  <a:schemeClr val="dk1"/>
-                </a:buClr>
-                <a:buFont typeface="Arial"/>
-                <a:buNone/>
-              </a:pPr>
-              <a:r>
-                <a:rPr lang="es-ES" sz="2500" dirty="0">
-                  <a:solidFill>
-                    <a:schemeClr val="lt1"/>
-                  </a:solidFill>
-                  <a:latin typeface="Calibri"/>
-                  <a:ea typeface="Calibri"/>
-                  <a:cs typeface="Calibri"/>
-                  <a:sym typeface="Calibri"/>
-                </a:rPr>
-                <a:t>Java Procedural</a:t>
-              </a:r>
-              <a:endParaRPr sz="2500" b="0" i="0" u="none" strike="noStrike" cap="none" dirty="0">
-                <a:solidFill>
-                  <a:schemeClr val="lt1"/>
-                </a:solidFill>
-                <a:latin typeface="Calibri"/>
-                <a:ea typeface="Calibri"/>
-                <a:cs typeface="Calibri"/>
-                <a:sym typeface="Calibri"/>
-              </a:endParaRPr>
-            </a:p>
-          </p:txBody>
-        </p:sp>
-        <p:sp>
-          <p:nvSpPr>
-            <p:cNvPr id="156" name="Shape 156"/>
-            <p:cNvSpPr/>
-            <p:nvPr/>
-          </p:nvSpPr>
-          <p:spPr>
-            <a:xfrm>
-              <a:off x="5635453" y="133"/>
-              <a:ext cx="2228700" cy="1337400"/>
-            </a:xfrm>
-            <a:prstGeom prst="rect">
-              <a:avLst/>
-            </a:prstGeom>
-            <a:solidFill>
-              <a:srgbClr val="90C223"/>
-            </a:solidFill>
-            <a:ln w="19050" cap="rnd" cmpd="sng">
-              <a:solidFill>
-                <a:schemeClr val="lt1"/>
-              </a:solidFill>
-              <a:prstDash val="solid"/>
-              <a:round/>
-              <a:headEnd type="none" w="sm" len="sm"/>
-              <a:tailEnd type="none" w="sm" len="sm"/>
-            </a:ln>
-          </p:spPr>
-          <p:txBody>
-            <a:bodyPr spcFirstLastPara="1" wrap="square" lIns="91425" tIns="91425" rIns="91425" bIns="91425" anchor="ctr" anchorCtr="0">
-              <a:noAutofit/>
-            </a:bodyPr>
-            <a:lstStyle/>
-            <a:p>
-              <a:pPr marL="0" lvl="0" indent="0">
-                <a:spcBef>
-                  <a:spcPts val="0"/>
-                </a:spcBef>
-                <a:spcAft>
-                  <a:spcPts val="0"/>
-                </a:spcAft>
-                <a:buNone/>
-              </a:pPr>
-              <a:endParaRPr/>
-            </a:p>
-          </p:txBody>
-        </p:sp>
-        <p:sp>
-          <p:nvSpPr>
-            <p:cNvPr id="157" name="Shape 157"/>
-            <p:cNvSpPr txBox="1"/>
-            <p:nvPr/>
-          </p:nvSpPr>
-          <p:spPr>
-            <a:xfrm>
-              <a:off x="5635453" y="133"/>
-              <a:ext cx="2228700" cy="1337400"/>
-            </a:xfrm>
-            <a:prstGeom prst="rect">
-              <a:avLst/>
-            </a:prstGeom>
-            <a:noFill/>
-            <a:ln>
-              <a:noFill/>
-            </a:ln>
-          </p:spPr>
-          <p:txBody>
-            <a:bodyPr spcFirstLastPara="1" wrap="square" lIns="95250" tIns="95250" rIns="95250" bIns="95250" anchor="ctr" anchorCtr="0">
-              <a:noAutofit/>
-            </a:bodyPr>
-            <a:lstStyle/>
-            <a:p>
-              <a:pPr marL="0" lvl="0" indent="0" algn="ctr" rtl="0">
-                <a:lnSpc>
-                  <a:spcPct val="90000"/>
-                </a:lnSpc>
-                <a:spcBef>
-                  <a:spcPts val="0"/>
-                </a:spcBef>
-                <a:spcAft>
-                  <a:spcPts val="0"/>
-                </a:spcAft>
-                <a:buNone/>
-              </a:pPr>
-              <a:r>
-                <a:rPr lang="es-ES" sz="2500" dirty="0">
-                  <a:solidFill>
-                    <a:schemeClr val="lt1"/>
-                  </a:solidFill>
-                  <a:latin typeface="Calibri"/>
-                  <a:ea typeface="Calibri"/>
-                  <a:cs typeface="Calibri"/>
-                  <a:sym typeface="Calibri"/>
-                </a:rPr>
-                <a:t>Java Orientado a Objetos</a:t>
-              </a:r>
-              <a:endParaRPr sz="2500" dirty="0">
-                <a:solidFill>
-                  <a:schemeClr val="lt1"/>
-                </a:solidFill>
-                <a:latin typeface="Calibri"/>
-                <a:ea typeface="Calibri"/>
-                <a:cs typeface="Calibri"/>
-                <a:sym typeface="Calibri"/>
-              </a:endParaRPr>
-            </a:p>
-          </p:txBody>
-        </p:sp>
-        <p:sp>
-          <p:nvSpPr>
-            <p:cNvPr id="158" name="Shape 158"/>
-            <p:cNvSpPr/>
-            <p:nvPr/>
-          </p:nvSpPr>
-          <p:spPr>
-            <a:xfrm>
-              <a:off x="3183741" y="1560313"/>
-              <a:ext cx="2228700" cy="1337400"/>
-            </a:xfrm>
-            <a:prstGeom prst="roundRect">
-              <a:avLst>
-                <a:gd name="adj" fmla="val 16667"/>
-              </a:avLst>
-            </a:prstGeom>
-            <a:solidFill>
-              <a:srgbClr val="90C223"/>
-            </a:solidFill>
-            <a:ln w="19050" cap="rnd" cmpd="sng">
-              <a:solidFill>
-                <a:schemeClr val="lt1"/>
-              </a:solidFill>
-              <a:prstDash val="solid"/>
-              <a:round/>
-              <a:headEnd type="none" w="sm" len="sm"/>
-              <a:tailEnd type="none" w="sm" len="sm"/>
-            </a:ln>
-          </p:spPr>
-          <p:txBody>
-            <a:bodyPr spcFirstLastPara="1" wrap="square" lIns="91425" tIns="91425" rIns="91425" bIns="91425" anchor="ctr" anchorCtr="0">
-              <a:noAutofit/>
-            </a:bodyPr>
-            <a:lstStyle/>
-            <a:p>
-              <a:pPr marL="0" lvl="0" indent="0" rtl="0">
-                <a:spcBef>
-                  <a:spcPts val="0"/>
-                </a:spcBef>
-                <a:spcAft>
-                  <a:spcPts val="0"/>
-                </a:spcAft>
-                <a:buNone/>
-              </a:pPr>
-              <a:endParaRPr dirty="0"/>
-            </a:p>
-          </p:txBody>
-        </p:sp>
-      </p:grpSp>
-      <p:sp>
-        <p:nvSpPr>
-          <p:cNvPr id="16" name="Shape 157">
-            <a:extLst>
-              <a:ext uri="{FF2B5EF4-FFF2-40B4-BE49-F238E27FC236}">
-                <a16:creationId xmlns:a16="http://schemas.microsoft.com/office/drawing/2014/main" id="{386CF87B-76E5-4FA6-818C-8454317786B2}"/>
-              </a:ext>
-            </a:extLst>
-          </p:cNvPr>
-          <p:cNvSpPr txBox="1"/>
-          <p:nvPr/>
-        </p:nvSpPr>
-        <p:spPr>
-          <a:xfrm>
-            <a:off x="4593590" y="4277520"/>
-            <a:ext cx="2228700" cy="1337400"/>
-          </a:xfrm>
-          <a:prstGeom prst="rect">
-            <a:avLst/>
-          </a:prstGeom>
-          <a:noFill/>
-          <a:ln>
-            <a:noFill/>
-          </a:ln>
-        </p:spPr>
-        <p:txBody>
-          <a:bodyPr spcFirstLastPara="1" wrap="square" lIns="95250" tIns="95250" rIns="95250" bIns="95250" anchor="ctr" anchorCtr="0">
-            <a:noAutofit/>
-          </a:bodyPr>
-          <a:lstStyle/>
-          <a:p>
-            <a:pPr marL="0" lvl="0" indent="0" algn="ctr" rtl="0">
-              <a:lnSpc>
-                <a:spcPct val="90000"/>
-              </a:lnSpc>
-              <a:spcBef>
-                <a:spcPts val="0"/>
-              </a:spcBef>
-              <a:spcAft>
-                <a:spcPts val="0"/>
-              </a:spcAft>
-              <a:buNone/>
-            </a:pPr>
-            <a:r>
-              <a:rPr lang="es-ES" sz="2500" dirty="0">
-                <a:solidFill>
-                  <a:schemeClr val="lt1"/>
-                </a:solidFill>
-                <a:latin typeface="Calibri"/>
-                <a:ea typeface="Calibri"/>
-                <a:cs typeface="Calibri"/>
-                <a:sym typeface="Calibri"/>
-              </a:rPr>
-              <a:t>Selenium WebDriver</a:t>
-            </a:r>
-            <a:endParaRPr sz="2500" dirty="0">
-              <a:solidFill>
-                <a:schemeClr val="lt1"/>
-              </a:solidFill>
-              <a:latin typeface="Calibri"/>
-              <a:ea typeface="Calibri"/>
-              <a:cs typeface="Calibri"/>
-              <a:sym typeface="Calibri"/>
-            </a:endParaRPr>
-          </a:p>
-        </p:txBody>
-      </p:sp>
-    </p:spTree>
-  </p:cSld>
-  <p:clrMapOvr>
-    <a:masterClrMapping/>
-  </p:clrMapOvr>
-</p:sld>
-</file>
-
-<file path=ppt/slides/slide4.xml><?xml version="1.0" encoding="utf-8"?>
-<p:sld xmlns:a="http://schemas.openxmlformats.org/drawingml/2006/main" xmlns:r="http://schemas.openxmlformats.org/officeDocument/2006/relationships" xmlns:p="http://schemas.openxmlformats.org/presentationml/2006/main">
-  <p:cSld>
-    <p:spTree>
-      <p:nvGrpSpPr>
         <p:cNvPr id="1" name="Shape 210"/>
         <p:cNvGrpSpPr/>
         <p:nvPr/>
@@ -27973,7 +28408,7 @@
 </p:sld>
 </file>
 
-<file path=ppt/slides/slide5.xml><?xml version="1.0" encoding="utf-8"?>
+<file path=ppt/slides/slide4.xml><?xml version="1.0" encoding="utf-8"?>
 <p:sld xmlns:a="http://schemas.openxmlformats.org/drawingml/2006/main" xmlns:r="http://schemas.openxmlformats.org/officeDocument/2006/relationships" xmlns:p="http://schemas.openxmlformats.org/presentationml/2006/main">
   <p:cSld>
     <p:spTree>
@@ -28305,7 +28740,7 @@
 </p:sld>
 </file>
 
-<file path=ppt/slides/slide6.xml><?xml version="1.0" encoding="utf-8"?>
+<file path=ppt/slides/slide5.xml><?xml version="1.0" encoding="utf-8"?>
 <p:sld xmlns:a="http://schemas.openxmlformats.org/drawingml/2006/main" xmlns:r="http://schemas.openxmlformats.org/officeDocument/2006/relationships" xmlns:p="http://schemas.openxmlformats.org/presentationml/2006/main">
   <p:cSld>
     <p:spTree>
@@ -28551,7 +28986,7 @@
 </p:sld>
 </file>
 
-<file path=ppt/slides/slide7.xml><?xml version="1.0" encoding="utf-8"?>
+<file path=ppt/slides/slide6.xml><?xml version="1.0" encoding="utf-8"?>
 <p:sld xmlns:a="http://schemas.openxmlformats.org/drawingml/2006/main" xmlns:r="http://schemas.openxmlformats.org/officeDocument/2006/relationships" xmlns:p="http://schemas.openxmlformats.org/presentationml/2006/main">
   <p:cSld>
     <p:spTree>
@@ -28908,7 +29343,7 @@
 </p:sld>
 </file>
 
-<file path=ppt/slides/slide8.xml><?xml version="1.0" encoding="utf-8"?>
+<file path=ppt/slides/slide7.xml><?xml version="1.0" encoding="utf-8"?>
 <p:sld xmlns:a="http://schemas.openxmlformats.org/drawingml/2006/main" xmlns:r="http://schemas.openxmlformats.org/officeDocument/2006/relationships" xmlns:p="http://schemas.openxmlformats.org/presentationml/2006/main">
   <p:cSld>
     <p:spTree>
@@ -29053,7 +29488,7 @@
 </p:sld>
 </file>
 
-<file path=ppt/slides/slide9.xml><?xml version="1.0" encoding="utf-8"?>
+<file path=ppt/slides/slide8.xml><?xml version="1.0" encoding="utf-8"?>
 <p:sld xmlns:a="http://schemas.openxmlformats.org/drawingml/2006/main" xmlns:r="http://schemas.openxmlformats.org/officeDocument/2006/relationships" xmlns:p="http://schemas.openxmlformats.org/presentationml/2006/main">
   <p:cSld>
     <p:spTree>
@@ -29280,6 +29715,251 @@
           <a:xfrm>
             <a:off x="1044363" y="2238375"/>
             <a:ext cx="6981825" cy="2381250"/>
+          </a:xfrm>
+          <a:prstGeom prst="rect">
+            <a:avLst/>
+          </a:prstGeom>
+          <a:noFill/>
+          <a:ln>
+            <a:noFill/>
+          </a:ln>
+        </p:spPr>
+      </p:pic>
+    </p:spTree>
+  </p:cSld>
+  <p:clrMapOvr>
+    <a:masterClrMapping/>
+  </p:clrMapOvr>
+</p:sld>
+</file>
+
+<file path=ppt/slides/slide9.xml><?xml version="1.0" encoding="utf-8"?>
+<p:sld xmlns:a="http://schemas.openxmlformats.org/drawingml/2006/main" xmlns:r="http://schemas.openxmlformats.org/officeDocument/2006/relationships" xmlns:p="http://schemas.openxmlformats.org/presentationml/2006/main">
+  <p:cSld>
+    <p:spTree>
+      <p:nvGrpSpPr>
+        <p:cNvPr id="1" name="Shape 248"/>
+        <p:cNvGrpSpPr/>
+        <p:nvPr/>
+      </p:nvGrpSpPr>
+      <p:grpSpPr>
+        <a:xfrm>
+          <a:off x="0" y="0"/>
+          <a:ext cx="0" cy="0"/>
+          <a:chOff x="0" y="0"/>
+          <a:chExt cx="0" cy="0"/>
+        </a:xfrm>
+      </p:grpSpPr>
+      <p:sp>
+        <p:nvSpPr>
+          <p:cNvPr id="249" name="Shape 249"/>
+          <p:cNvSpPr txBox="1">
+            <a:spLocks noGrp="1"/>
+          </p:cNvSpPr>
+          <p:nvPr>
+            <p:ph type="title"/>
+          </p:nvPr>
+        </p:nvSpPr>
+        <p:spPr>
+          <a:xfrm>
+            <a:off x="677334" y="609600"/>
+            <a:ext cx="8596800" cy="1320900"/>
+          </a:xfrm>
+          <a:prstGeom prst="rect">
+            <a:avLst/>
+          </a:prstGeom>
+        </p:spPr>
+        <p:txBody>
+          <a:bodyPr spcFirstLastPara="1" wrap="square" lIns="91425" tIns="91425" rIns="91425" bIns="91425" anchor="t" anchorCtr="0">
+            <a:noAutofit/>
+          </a:bodyPr>
+          <a:lstStyle/>
+          <a:p>
+            <a:pPr marL="0" lvl="0" indent="0" rtl="0">
+              <a:spcBef>
+                <a:spcPts val="0"/>
+              </a:spcBef>
+              <a:spcAft>
+                <a:spcPts val="0"/>
+              </a:spcAft>
+              <a:buNone/>
+            </a:pPr>
+            <a:r>
+              <a:rPr lang="es-ES"/>
+              <a:t>Por que usar clases?</a:t>
+            </a:r>
+            <a:endParaRPr/>
+          </a:p>
+        </p:txBody>
+      </p:sp>
+      <p:sp>
+        <p:nvSpPr>
+          <p:cNvPr id="250" name="Shape 250"/>
+          <p:cNvSpPr txBox="1">
+            <a:spLocks noGrp="1"/>
+          </p:cNvSpPr>
+          <p:nvPr>
+            <p:ph type="body" idx="1"/>
+          </p:nvPr>
+        </p:nvSpPr>
+        <p:spPr>
+          <a:xfrm>
+            <a:off x="677334" y="2160589"/>
+            <a:ext cx="8596800" cy="3880800"/>
+          </a:xfrm>
+          <a:prstGeom prst="rect">
+            <a:avLst/>
+          </a:prstGeom>
+        </p:spPr>
+        <p:txBody>
+          <a:bodyPr spcFirstLastPara="1" wrap="square" lIns="91425" tIns="91425" rIns="91425" bIns="91425" anchor="t" anchorCtr="0">
+            <a:noAutofit/>
+          </a:bodyPr>
+          <a:lstStyle/>
+          <a:p>
+            <a:pPr marL="0" lvl="0" indent="0" rtl="0">
+              <a:spcBef>
+                <a:spcPts val="1000"/>
+              </a:spcBef>
+              <a:spcAft>
+                <a:spcPts val="0"/>
+              </a:spcAft>
+              <a:buNone/>
+            </a:pPr>
+            <a:endParaRPr sz="1600"/>
+          </a:p>
+          <a:p>
+            <a:pPr marL="0" lvl="0" indent="0" algn="ctr" rtl="0">
+              <a:spcBef>
+                <a:spcPts val="1000"/>
+              </a:spcBef>
+              <a:spcAft>
+                <a:spcPts val="0"/>
+              </a:spcAft>
+              <a:buNone/>
+            </a:pPr>
+            <a:endParaRPr sz="1600"/>
+          </a:p>
+          <a:p>
+            <a:pPr marL="0" lvl="0" indent="0" algn="ctr" rtl="0">
+              <a:spcBef>
+                <a:spcPts val="1000"/>
+              </a:spcBef>
+              <a:spcAft>
+                <a:spcPts val="0"/>
+              </a:spcAft>
+              <a:buNone/>
+            </a:pPr>
+            <a:endParaRPr sz="1600"/>
+          </a:p>
+          <a:p>
+            <a:pPr marL="0" lvl="0" indent="0" algn="ctr" rtl="0">
+              <a:spcBef>
+                <a:spcPts val="1000"/>
+              </a:spcBef>
+              <a:spcAft>
+                <a:spcPts val="0"/>
+              </a:spcAft>
+              <a:buNone/>
+            </a:pPr>
+            <a:endParaRPr sz="1600"/>
+          </a:p>
+          <a:p>
+            <a:pPr marL="0" lvl="0" indent="0" algn="ctr" rtl="0">
+              <a:spcBef>
+                <a:spcPts val="1000"/>
+              </a:spcBef>
+              <a:spcAft>
+                <a:spcPts val="0"/>
+              </a:spcAft>
+              <a:buNone/>
+            </a:pPr>
+            <a:endParaRPr sz="1600"/>
+          </a:p>
+          <a:p>
+            <a:pPr marL="0" lvl="0" indent="0" algn="ctr" rtl="0">
+              <a:spcBef>
+                <a:spcPts val="1000"/>
+              </a:spcBef>
+              <a:spcAft>
+                <a:spcPts val="0"/>
+              </a:spcAft>
+              <a:buNone/>
+            </a:pPr>
+            <a:endParaRPr sz="1600"/>
+          </a:p>
+          <a:p>
+            <a:pPr marL="0" lvl="0" indent="0" algn="ctr" rtl="0">
+              <a:spcBef>
+                <a:spcPts val="1000"/>
+              </a:spcBef>
+              <a:spcAft>
+                <a:spcPts val="0"/>
+              </a:spcAft>
+              <a:buNone/>
+            </a:pPr>
+            <a:endParaRPr sz="1600"/>
+          </a:p>
+          <a:p>
+            <a:pPr marL="0" lvl="0" indent="0" algn="ctr" rtl="0">
+              <a:spcBef>
+                <a:spcPts val="1000"/>
+              </a:spcBef>
+              <a:spcAft>
+                <a:spcPts val="0"/>
+              </a:spcAft>
+              <a:buNone/>
+            </a:pPr>
+            <a:r>
+              <a:rPr lang="es-ES" sz="1600"/>
+              <a:t>Y 496 bebés más.</a:t>
+            </a:r>
+            <a:endParaRPr sz="1600"/>
+          </a:p>
+          <a:p>
+            <a:pPr marL="0" lvl="0" indent="0" algn="ctr" rtl="0">
+              <a:spcBef>
+                <a:spcPts val="1000"/>
+              </a:spcBef>
+              <a:spcAft>
+                <a:spcPts val="0"/>
+              </a:spcAft>
+              <a:buNone/>
+            </a:pPr>
+            <a:endParaRPr sz="1600"/>
+          </a:p>
+          <a:p>
+            <a:pPr marL="0" lvl="0" indent="0" algn="ctr" rtl="0">
+              <a:spcBef>
+                <a:spcPts val="1000"/>
+              </a:spcBef>
+              <a:spcAft>
+                <a:spcPts val="0"/>
+              </a:spcAft>
+              <a:buNone/>
+            </a:pPr>
+            <a:endParaRPr sz="1600"/>
+          </a:p>
+        </p:txBody>
+      </p:sp>
+      <p:pic>
+        <p:nvPicPr>
+          <p:cNvPr id="251" name="Shape 251"/>
+          <p:cNvPicPr preferRelativeResize="0"/>
+          <p:nvPr/>
+        </p:nvPicPr>
+        <p:blipFill>
+          <a:blip r:embed="rId3">
+            <a:alphaModFix/>
+          </a:blip>
+          <a:stretch>
+            <a:fillRect/>
+          </a:stretch>
+        </p:blipFill>
+        <p:spPr>
+          <a:xfrm>
+            <a:off x="784725" y="1698125"/>
+            <a:ext cx="8382000" cy="3848100"/>
           </a:xfrm>
           <a:prstGeom prst="rect">
             <a:avLst/>

--- a/slides/Selenium, Module3.pptx
+++ b/slides/Selenium, Module3.pptx
@@ -5,7 +5,7 @@
     <p:sldMasterId id="2147483664" r:id="rId1"/>
   </p:sldMasterIdLst>
   <p:notesMasterIdLst>
-    <p:notesMasterId r:id="rId21"/>
+    <p:notesMasterId r:id="rId22"/>
   </p:notesMasterIdLst>
   <p:sldIdLst>
     <p:sldId id="256" r:id="rId2"/>
@@ -26,7 +26,8 @@
     <p:sldId id="282" r:id="rId17"/>
     <p:sldId id="283" r:id="rId18"/>
     <p:sldId id="284" r:id="rId19"/>
-    <p:sldId id="276" r:id="rId20"/>
+    <p:sldId id="285" r:id="rId20"/>
+    <p:sldId id="276" r:id="rId21"/>
   </p:sldIdLst>
   <p:sldSz cx="12192000" cy="6858000"/>
   <p:notesSz cx="6858000" cy="9144000"/>
@@ -27728,7 +27729,7 @@
   <p:cSld>
     <p:spTree>
       <p:nvGrpSpPr>
-        <p:cNvPr id="1" name="Shape 273"/>
+        <p:cNvPr id="1" name=""/>
         <p:cNvGrpSpPr/>
         <p:nvPr/>
       </p:nvGrpSpPr>
@@ -27742,309 +27743,75 @@
       </p:grpSpPr>
       <p:sp>
         <p:nvSpPr>
-          <p:cNvPr id="274" name="Shape 274"/>
-          <p:cNvSpPr txBox="1">
+          <p:cNvPr id="2" name="Title 1">
+            <a:extLst>
+              <a:ext uri="{FF2B5EF4-FFF2-40B4-BE49-F238E27FC236}">
+                <a16:creationId xmlns:a16="http://schemas.microsoft.com/office/drawing/2014/main" id="{3AC90361-CF6F-8243-B62D-9B8337411582}"/>
+              </a:ext>
+            </a:extLst>
+          </p:cNvPr>
+          <p:cNvSpPr>
             <a:spLocks noGrp="1"/>
           </p:cNvSpPr>
           <p:nvPr>
             <p:ph type="title"/>
           </p:nvPr>
         </p:nvSpPr>
-        <p:spPr>
-          <a:xfrm>
-            <a:off x="677334" y="609600"/>
-            <a:ext cx="8596800" cy="1320900"/>
-          </a:xfrm>
-          <a:prstGeom prst="rect">
-            <a:avLst/>
-          </a:prstGeom>
-        </p:spPr>
+        <p:spPr/>
         <p:txBody>
-          <a:bodyPr spcFirstLastPara="1" wrap="square" lIns="91425" tIns="91425" rIns="91425" bIns="91425" anchor="t" anchorCtr="0">
-            <a:noAutofit/>
-          </a:bodyPr>
+          <a:bodyPr/>
           <a:lstStyle/>
           <a:p>
-            <a:pPr marL="0" lvl="0" indent="0">
-              <a:spcBef>
-                <a:spcPts val="0"/>
-              </a:spcBef>
-              <a:spcAft>
-                <a:spcPts val="0"/>
-              </a:spcAft>
-              <a:buNone/>
-            </a:pPr>
             <a:r>
-              <a:rPr lang="es-ES"/>
-              <a:t>Constructores</a:t>
+              <a:rPr lang="en-MX" dirty="0"/>
+              <a:t>Estado y Comportamiento</a:t>
             </a:r>
-            <a:endParaRPr/>
           </a:p>
         </p:txBody>
       </p:sp>
       <p:sp>
         <p:nvSpPr>
-          <p:cNvPr id="275" name="Shape 275"/>
-          <p:cNvSpPr txBox="1">
+          <p:cNvPr id="3" name="Text Placeholder 2">
+            <a:extLst>
+              <a:ext uri="{FF2B5EF4-FFF2-40B4-BE49-F238E27FC236}">
+                <a16:creationId xmlns:a16="http://schemas.microsoft.com/office/drawing/2014/main" id="{D0C8FE9D-676F-5046-AF9E-B287FDA1EF63}"/>
+              </a:ext>
+            </a:extLst>
+          </p:cNvPr>
+          <p:cNvSpPr>
             <a:spLocks noGrp="1"/>
           </p:cNvSpPr>
           <p:nvPr>
             <p:ph type="body" idx="1"/>
           </p:nvPr>
         </p:nvSpPr>
-        <p:spPr>
-          <a:xfrm>
-            <a:off x="677334" y="2160589"/>
-            <a:ext cx="8596800" cy="3880800"/>
-          </a:xfrm>
-          <a:prstGeom prst="rect">
-            <a:avLst/>
-          </a:prstGeom>
-        </p:spPr>
+        <p:spPr/>
         <p:txBody>
-          <a:bodyPr spcFirstLastPara="1" wrap="square" lIns="91425" tIns="91425" rIns="91425" bIns="91425" anchor="t" anchorCtr="0">
-            <a:noAutofit/>
-          </a:bodyPr>
+          <a:bodyPr/>
           <a:lstStyle/>
           <a:p>
-            <a:pPr marL="342900" lvl="0" indent="-251459">
-              <a:spcBef>
-                <a:spcPts val="1000"/>
-              </a:spcBef>
-              <a:spcAft>
-                <a:spcPts val="0"/>
-              </a:spcAft>
-              <a:buNone/>
-            </a:pPr>
             <a:r>
-              <a:rPr lang="es-ES" dirty="0" err="1"/>
-              <a:t>public</a:t>
+              <a:rPr lang="en-MX" dirty="0"/>
+              <a:t>El estado de un objeto lo representan sus atributos</a:t>
             </a:r>
-            <a:r>
-              <a:rPr lang="es-ES" dirty="0"/>
-              <a:t> </a:t>
-            </a:r>
-            <a:r>
-              <a:rPr lang="es-ES" dirty="0" err="1"/>
-              <a:t>class</a:t>
-            </a:r>
-            <a:r>
-              <a:rPr lang="es-ES" dirty="0"/>
-              <a:t> </a:t>
-            </a:r>
-            <a:r>
-              <a:rPr lang="es-ES" dirty="0" err="1"/>
-              <a:t>Baby</a:t>
-            </a:r>
-            <a:r>
-              <a:rPr lang="es-ES" dirty="0"/>
-              <a:t> { </a:t>
-            </a:r>
-            <a:endParaRPr dirty="0"/>
           </a:p>
           <a:p>
-            <a:pPr marL="342900" lvl="0" indent="-251459">
-              <a:spcBef>
-                <a:spcPts val="1000"/>
-              </a:spcBef>
-              <a:spcAft>
-                <a:spcPts val="0"/>
-              </a:spcAft>
-              <a:buNone/>
-            </a:pPr>
             <a:r>
-              <a:rPr lang="es-ES" dirty="0"/>
-              <a:t>    </a:t>
+              <a:rPr lang="en-MX"/>
+              <a:t>El comportamiento lo representan sus metodos</a:t>
             </a:r>
-            <a:r>
-              <a:rPr lang="es-ES" dirty="0" err="1"/>
-              <a:t>String</a:t>
-            </a:r>
-            <a:r>
-              <a:rPr lang="es-ES" dirty="0"/>
-              <a:t> </a:t>
-            </a:r>
-            <a:r>
-              <a:rPr lang="es-ES" dirty="0" err="1"/>
-              <a:t>name</a:t>
-            </a:r>
-            <a:r>
-              <a:rPr lang="es-ES" dirty="0"/>
-              <a:t>; </a:t>
-            </a:r>
-            <a:endParaRPr dirty="0"/>
           </a:p>
           <a:p>
-            <a:pPr marL="342900" lvl="0" indent="-251459">
-              <a:spcBef>
-                <a:spcPts val="1000"/>
-              </a:spcBef>
-              <a:spcAft>
-                <a:spcPts val="0"/>
-              </a:spcAft>
-              <a:buNone/>
-            </a:pPr>
-            <a:r>
-              <a:rPr lang="es-ES" dirty="0"/>
-              <a:t>    </a:t>
-            </a:r>
-            <a:r>
-              <a:rPr lang="es-ES" dirty="0" err="1"/>
-              <a:t>char</a:t>
-            </a:r>
-            <a:r>
-              <a:rPr lang="es-ES" dirty="0"/>
-              <a:t> sex; </a:t>
-            </a:r>
-            <a:endParaRPr dirty="0"/>
-          </a:p>
-          <a:p>
-            <a:pPr marL="342900" lvl="0" indent="-251459">
-              <a:spcBef>
-                <a:spcPts val="1000"/>
-              </a:spcBef>
-              <a:spcAft>
-                <a:spcPts val="0"/>
-              </a:spcAft>
-              <a:buNone/>
-            </a:pPr>
-            <a:r>
-              <a:rPr lang="es-ES" dirty="0"/>
-              <a:t>    </a:t>
-            </a:r>
-            <a:r>
-              <a:rPr lang="es-ES" dirty="0" err="1"/>
-              <a:t>Baby</a:t>
-            </a:r>
-            <a:r>
-              <a:rPr lang="es-ES" dirty="0"/>
-              <a:t>(</a:t>
-            </a:r>
-            <a:r>
-              <a:rPr lang="es-ES" dirty="0" err="1"/>
-              <a:t>String</a:t>
-            </a:r>
-            <a:r>
-              <a:rPr lang="es-ES" dirty="0"/>
-              <a:t> </a:t>
-            </a:r>
-            <a:r>
-              <a:rPr lang="es-ES" dirty="0" err="1"/>
-              <a:t>myMame</a:t>
-            </a:r>
-            <a:r>
-              <a:rPr lang="es-ES" dirty="0"/>
-              <a:t>, </a:t>
-            </a:r>
-            <a:r>
-              <a:rPr lang="es-ES" dirty="0" err="1"/>
-              <a:t>char</a:t>
-            </a:r>
-            <a:r>
-              <a:rPr lang="es-ES" dirty="0"/>
-              <a:t> </a:t>
-            </a:r>
-            <a:r>
-              <a:rPr lang="es-ES" dirty="0" err="1"/>
-              <a:t>babySex</a:t>
-            </a:r>
-            <a:r>
-              <a:rPr lang="es-ES" dirty="0"/>
-              <a:t>){ </a:t>
-            </a:r>
-            <a:endParaRPr dirty="0"/>
-          </a:p>
-          <a:p>
-            <a:pPr marL="342900" lvl="0" indent="-251459">
-              <a:spcBef>
-                <a:spcPts val="1000"/>
-              </a:spcBef>
-              <a:spcAft>
-                <a:spcPts val="0"/>
-              </a:spcAft>
-              <a:buNone/>
-            </a:pPr>
-            <a:r>
-              <a:rPr lang="es-ES" dirty="0"/>
-              <a:t>        </a:t>
-            </a:r>
-            <a:r>
-              <a:rPr lang="es-ES" dirty="0" err="1"/>
-              <a:t>name</a:t>
-            </a:r>
-            <a:r>
-              <a:rPr lang="es-ES" dirty="0"/>
-              <a:t> = </a:t>
-            </a:r>
-            <a:r>
-              <a:rPr lang="es-ES" dirty="0" err="1"/>
-              <a:t>myName</a:t>
-            </a:r>
-            <a:r>
-              <a:rPr lang="es-ES" dirty="0"/>
-              <a:t>; </a:t>
-            </a:r>
-            <a:endParaRPr dirty="0"/>
-          </a:p>
-          <a:p>
-            <a:pPr marL="342900" lvl="0" indent="-251459">
-              <a:spcBef>
-                <a:spcPts val="1000"/>
-              </a:spcBef>
-              <a:spcAft>
-                <a:spcPts val="0"/>
-              </a:spcAft>
-              <a:buNone/>
-            </a:pPr>
-            <a:r>
-              <a:rPr lang="es-ES" dirty="0"/>
-              <a:t>        sex = </a:t>
-            </a:r>
-            <a:r>
-              <a:rPr lang="es-ES" dirty="0" err="1"/>
-              <a:t>babySex</a:t>
-            </a:r>
-            <a:r>
-              <a:rPr lang="es-ES" dirty="0"/>
-              <a:t>; </a:t>
-            </a:r>
-            <a:endParaRPr dirty="0"/>
-          </a:p>
-          <a:p>
-            <a:pPr marL="342900" lvl="0" indent="-251459">
-              <a:spcBef>
-                <a:spcPts val="1000"/>
-              </a:spcBef>
-              <a:spcAft>
-                <a:spcPts val="0"/>
-              </a:spcAft>
-              <a:buNone/>
-            </a:pPr>
-            <a:r>
-              <a:rPr lang="es-ES" dirty="0"/>
-              <a:t>    } </a:t>
-            </a:r>
-            <a:endParaRPr dirty="0"/>
-          </a:p>
-          <a:p>
-            <a:pPr marL="342900" lvl="0" indent="-251459">
-              <a:spcBef>
-                <a:spcPts val="1000"/>
-              </a:spcBef>
-              <a:spcAft>
-                <a:spcPts val="0"/>
-              </a:spcAft>
-              <a:buNone/>
-            </a:pPr>
-            <a:r>
-              <a:rPr lang="es-ES" dirty="0"/>
-              <a:t>} </a:t>
-            </a:r>
-            <a:endParaRPr dirty="0"/>
+            <a:endParaRPr lang="en-MX"/>
           </a:p>
         </p:txBody>
       </p:sp>
     </p:spTree>
+    <p:extLst>
+      <p:ext uri="{BB962C8B-B14F-4D97-AF65-F5344CB8AC3E}">
+        <p14:creationId xmlns:p14="http://schemas.microsoft.com/office/powerpoint/2010/main" val="3283183202"/>
+      </p:ext>
+    </p:extLst>
   </p:cSld>
   <p:clrMapOvr>
     <a:masterClrMapping/>
@@ -28131,6 +27898,335 @@
         <p14:creationId xmlns:p14="http://schemas.microsoft.com/office/powerpoint/2010/main" val="2274694205"/>
       </p:ext>
     </p:extLst>
+  </p:cSld>
+  <p:clrMapOvr>
+    <a:masterClrMapping/>
+  </p:clrMapOvr>
+</p:sld>
+</file>
+
+<file path=ppt/slides/slide20.xml><?xml version="1.0" encoding="utf-8"?>
+<p:sld xmlns:a="http://schemas.openxmlformats.org/drawingml/2006/main" xmlns:r="http://schemas.openxmlformats.org/officeDocument/2006/relationships" xmlns:p="http://schemas.openxmlformats.org/presentationml/2006/main">
+  <p:cSld>
+    <p:spTree>
+      <p:nvGrpSpPr>
+        <p:cNvPr id="1" name="Shape 273"/>
+        <p:cNvGrpSpPr/>
+        <p:nvPr/>
+      </p:nvGrpSpPr>
+      <p:grpSpPr>
+        <a:xfrm>
+          <a:off x="0" y="0"/>
+          <a:ext cx="0" cy="0"/>
+          <a:chOff x="0" y="0"/>
+          <a:chExt cx="0" cy="0"/>
+        </a:xfrm>
+      </p:grpSpPr>
+      <p:sp>
+        <p:nvSpPr>
+          <p:cNvPr id="274" name="Shape 274"/>
+          <p:cNvSpPr txBox="1">
+            <a:spLocks noGrp="1"/>
+          </p:cNvSpPr>
+          <p:nvPr>
+            <p:ph type="title"/>
+          </p:nvPr>
+        </p:nvSpPr>
+        <p:spPr>
+          <a:xfrm>
+            <a:off x="677334" y="609600"/>
+            <a:ext cx="8596800" cy="1320900"/>
+          </a:xfrm>
+          <a:prstGeom prst="rect">
+            <a:avLst/>
+          </a:prstGeom>
+        </p:spPr>
+        <p:txBody>
+          <a:bodyPr spcFirstLastPara="1" wrap="square" lIns="91425" tIns="91425" rIns="91425" bIns="91425" anchor="t" anchorCtr="0">
+            <a:noAutofit/>
+          </a:bodyPr>
+          <a:lstStyle/>
+          <a:p>
+            <a:pPr marL="0" lvl="0" indent="0">
+              <a:spcBef>
+                <a:spcPts val="0"/>
+              </a:spcBef>
+              <a:spcAft>
+                <a:spcPts val="0"/>
+              </a:spcAft>
+              <a:buNone/>
+            </a:pPr>
+            <a:r>
+              <a:rPr lang="es-ES"/>
+              <a:t>Constructores</a:t>
+            </a:r>
+            <a:endParaRPr/>
+          </a:p>
+        </p:txBody>
+      </p:sp>
+      <p:sp>
+        <p:nvSpPr>
+          <p:cNvPr id="275" name="Shape 275"/>
+          <p:cNvSpPr txBox="1">
+            <a:spLocks noGrp="1"/>
+          </p:cNvSpPr>
+          <p:nvPr>
+            <p:ph type="body" idx="1"/>
+          </p:nvPr>
+        </p:nvSpPr>
+        <p:spPr>
+          <a:xfrm>
+            <a:off x="677334" y="2160589"/>
+            <a:ext cx="8596800" cy="3880800"/>
+          </a:xfrm>
+          <a:prstGeom prst="rect">
+            <a:avLst/>
+          </a:prstGeom>
+        </p:spPr>
+        <p:txBody>
+          <a:bodyPr spcFirstLastPara="1" wrap="square" lIns="91425" tIns="91425" rIns="91425" bIns="91425" anchor="t" anchorCtr="0">
+            <a:noAutofit/>
+          </a:bodyPr>
+          <a:lstStyle/>
+          <a:p>
+            <a:pPr marL="342900" lvl="0" indent="-251459">
+              <a:spcBef>
+                <a:spcPts val="1000"/>
+              </a:spcBef>
+              <a:spcAft>
+                <a:spcPts val="0"/>
+              </a:spcAft>
+              <a:buNone/>
+            </a:pPr>
+            <a:r>
+              <a:rPr lang="es-ES" dirty="0" err="1"/>
+              <a:t>public</a:t>
+            </a:r>
+            <a:r>
+              <a:rPr lang="es-ES" dirty="0"/>
+              <a:t> </a:t>
+            </a:r>
+            <a:r>
+              <a:rPr lang="es-ES" dirty="0" err="1"/>
+              <a:t>class</a:t>
+            </a:r>
+            <a:r>
+              <a:rPr lang="es-ES" dirty="0"/>
+              <a:t> </a:t>
+            </a:r>
+            <a:r>
+              <a:rPr lang="es-ES" dirty="0" err="1"/>
+              <a:t>Baby</a:t>
+            </a:r>
+            <a:r>
+              <a:rPr lang="es-ES" dirty="0"/>
+              <a:t> { </a:t>
+            </a:r>
+            <a:endParaRPr dirty="0"/>
+          </a:p>
+          <a:p>
+            <a:pPr marL="342900" lvl="0" indent="-251459">
+              <a:spcBef>
+                <a:spcPts val="1000"/>
+              </a:spcBef>
+              <a:spcAft>
+                <a:spcPts val="0"/>
+              </a:spcAft>
+              <a:buNone/>
+            </a:pPr>
+            <a:r>
+              <a:rPr lang="es-ES" dirty="0"/>
+              <a:t>    </a:t>
+            </a:r>
+            <a:r>
+              <a:rPr lang="es-ES" dirty="0" err="1"/>
+              <a:t>String</a:t>
+            </a:r>
+            <a:r>
+              <a:rPr lang="es-ES" dirty="0"/>
+              <a:t> </a:t>
+            </a:r>
+            <a:r>
+              <a:rPr lang="es-ES" dirty="0" err="1"/>
+              <a:t>name</a:t>
+            </a:r>
+            <a:r>
+              <a:rPr lang="es-ES" dirty="0"/>
+              <a:t>; </a:t>
+            </a:r>
+            <a:endParaRPr dirty="0"/>
+          </a:p>
+          <a:p>
+            <a:pPr marL="342900" lvl="0" indent="-251459">
+              <a:spcBef>
+                <a:spcPts val="1000"/>
+              </a:spcBef>
+              <a:spcAft>
+                <a:spcPts val="0"/>
+              </a:spcAft>
+              <a:buNone/>
+            </a:pPr>
+            <a:r>
+              <a:rPr lang="es-ES" dirty="0"/>
+              <a:t>    </a:t>
+            </a:r>
+            <a:r>
+              <a:rPr lang="es-ES" dirty="0" err="1"/>
+              <a:t>char</a:t>
+            </a:r>
+            <a:r>
+              <a:rPr lang="es-ES" dirty="0"/>
+              <a:t> sex; </a:t>
+            </a:r>
+            <a:endParaRPr dirty="0"/>
+          </a:p>
+          <a:p>
+            <a:pPr marL="342900" lvl="0" indent="-251459">
+              <a:spcBef>
+                <a:spcPts val="1000"/>
+              </a:spcBef>
+              <a:spcAft>
+                <a:spcPts val="0"/>
+              </a:spcAft>
+              <a:buNone/>
+            </a:pPr>
+            <a:r>
+              <a:rPr lang="es-ES" dirty="0"/>
+              <a:t>    </a:t>
+            </a:r>
+            <a:r>
+              <a:rPr lang="es-ES" dirty="0" err="1"/>
+              <a:t>Baby</a:t>
+            </a:r>
+            <a:r>
+              <a:rPr lang="es-ES" dirty="0"/>
+              <a:t>(</a:t>
+            </a:r>
+            <a:r>
+              <a:rPr lang="es-ES" dirty="0" err="1"/>
+              <a:t>String</a:t>
+            </a:r>
+            <a:r>
+              <a:rPr lang="es-ES" dirty="0"/>
+              <a:t> </a:t>
+            </a:r>
+            <a:r>
+              <a:rPr lang="es-ES" dirty="0" err="1"/>
+              <a:t>myMame</a:t>
+            </a:r>
+            <a:r>
+              <a:rPr lang="es-ES" dirty="0"/>
+              <a:t>, </a:t>
+            </a:r>
+            <a:r>
+              <a:rPr lang="es-ES" dirty="0" err="1"/>
+              <a:t>char</a:t>
+            </a:r>
+            <a:r>
+              <a:rPr lang="es-ES" dirty="0"/>
+              <a:t> </a:t>
+            </a:r>
+            <a:r>
+              <a:rPr lang="es-ES" dirty="0" err="1"/>
+              <a:t>babySex</a:t>
+            </a:r>
+            <a:r>
+              <a:rPr lang="es-ES" dirty="0"/>
+              <a:t>){ </a:t>
+            </a:r>
+            <a:endParaRPr dirty="0"/>
+          </a:p>
+          <a:p>
+            <a:pPr marL="342900" lvl="0" indent="-251459">
+              <a:spcBef>
+                <a:spcPts val="1000"/>
+              </a:spcBef>
+              <a:spcAft>
+                <a:spcPts val="0"/>
+              </a:spcAft>
+              <a:buNone/>
+            </a:pPr>
+            <a:r>
+              <a:rPr lang="es-ES" dirty="0"/>
+              <a:t>        </a:t>
+            </a:r>
+            <a:r>
+              <a:rPr lang="es-ES" dirty="0" err="1"/>
+              <a:t>name</a:t>
+            </a:r>
+            <a:r>
+              <a:rPr lang="es-ES" dirty="0"/>
+              <a:t> = </a:t>
+            </a:r>
+            <a:r>
+              <a:rPr lang="es-ES" dirty="0" err="1"/>
+              <a:t>myName</a:t>
+            </a:r>
+            <a:r>
+              <a:rPr lang="es-ES" dirty="0"/>
+              <a:t>; </a:t>
+            </a:r>
+            <a:endParaRPr dirty="0"/>
+          </a:p>
+          <a:p>
+            <a:pPr marL="342900" lvl="0" indent="-251459">
+              <a:spcBef>
+                <a:spcPts val="1000"/>
+              </a:spcBef>
+              <a:spcAft>
+                <a:spcPts val="0"/>
+              </a:spcAft>
+              <a:buNone/>
+            </a:pPr>
+            <a:r>
+              <a:rPr lang="es-ES" dirty="0"/>
+              <a:t>        sex = </a:t>
+            </a:r>
+            <a:r>
+              <a:rPr lang="es-ES" dirty="0" err="1"/>
+              <a:t>babySex</a:t>
+            </a:r>
+            <a:r>
+              <a:rPr lang="es-ES" dirty="0"/>
+              <a:t>; </a:t>
+            </a:r>
+            <a:endParaRPr dirty="0"/>
+          </a:p>
+          <a:p>
+            <a:pPr marL="342900" lvl="0" indent="-251459">
+              <a:spcBef>
+                <a:spcPts val="1000"/>
+              </a:spcBef>
+              <a:spcAft>
+                <a:spcPts val="0"/>
+              </a:spcAft>
+              <a:buNone/>
+            </a:pPr>
+            <a:r>
+              <a:rPr lang="es-ES" dirty="0"/>
+              <a:t>    } </a:t>
+            </a:r>
+            <a:endParaRPr dirty="0"/>
+          </a:p>
+          <a:p>
+            <a:pPr marL="342900" lvl="0" indent="-251459">
+              <a:spcBef>
+                <a:spcPts val="1000"/>
+              </a:spcBef>
+              <a:spcAft>
+                <a:spcPts val="0"/>
+              </a:spcAft>
+              <a:buNone/>
+            </a:pPr>
+            <a:r>
+              <a:rPr lang="es-ES" dirty="0"/>
+              <a:t>} </a:t>
+            </a:r>
+            <a:endParaRPr dirty="0"/>
+          </a:p>
+        </p:txBody>
+      </p:sp>
+    </p:spTree>
   </p:cSld>
   <p:clrMapOvr>
     <a:masterClrMapping/>

--- a/slides/Selenium, Module3.pptx
+++ b/slides/Selenium, Module3.pptx
@@ -5,7 +5,7 @@
     <p:sldMasterId id="2147483664" r:id="rId1"/>
   </p:sldMasterIdLst>
   <p:notesMasterIdLst>
-    <p:notesMasterId r:id="rId22"/>
+    <p:notesMasterId r:id="rId24"/>
   </p:notesMasterIdLst>
   <p:sldIdLst>
     <p:sldId id="256" r:id="rId2"/>
@@ -27,7 +27,9 @@
     <p:sldId id="283" r:id="rId18"/>
     <p:sldId id="284" r:id="rId19"/>
     <p:sldId id="285" r:id="rId20"/>
-    <p:sldId id="276" r:id="rId21"/>
+    <p:sldId id="286" r:id="rId21"/>
+    <p:sldId id="287" r:id="rId22"/>
+    <p:sldId id="276" r:id="rId23"/>
   </p:sldIdLst>
   <p:sldSz cx="12192000" cy="6858000"/>
   <p:notesSz cx="6858000" cy="9144000"/>
@@ -1405,8 +1407,8 @@
     <dgm:cxn modelId="{11BB3522-C067-9242-A26C-55A8C2C85064}" srcId="{317D4290-9F0E-6E45-BD4F-8D620965FF8E}" destId="{A439195B-3F3D-ED41-9D29-940CE62E12A7}" srcOrd="1" destOrd="0" parTransId="{790E87FB-E36F-0146-8629-CD30963814BC}" sibTransId="{A512E7F8-CCD8-FC40-B767-12743762AF8C}"/>
     <dgm:cxn modelId="{F30F7225-17EC-BF42-A423-6187E7D460FB}" type="presOf" srcId="{4C3089A0-EB6D-5B4B-A259-7B20ADDDA396}" destId="{EA0C3F9B-88D7-1243-A672-B39627E2029C}" srcOrd="0" destOrd="0" presId="urn:microsoft.com/office/officeart/2005/8/layout/hList1"/>
     <dgm:cxn modelId="{E559242C-0FD3-5D49-ADEC-F3BFA905F8F1}" type="presOf" srcId="{91CD9079-45BE-FB49-8E78-E6DF31BD8BD2}" destId="{507B8F00-C5BA-ED44-B1CD-8442894F62CE}" srcOrd="0" destOrd="0" presId="urn:microsoft.com/office/officeart/2005/8/layout/hList1"/>
+    <dgm:cxn modelId="{01FDA369-EF6E-DD43-9272-3294F26E561C}" srcId="{23F8D2BE-7838-3D4D-9636-4B9E4A0BB0F6}" destId="{317D4290-9F0E-6E45-BD4F-8D620965FF8E}" srcOrd="1" destOrd="0" parTransId="{8B59727D-3AC0-E141-8501-723531930EEB}" sibTransId="{D237EF38-1D4C-0A45-B2B9-697FA794FC39}"/>
     <dgm:cxn modelId="{5B788B4D-2829-4749-B969-947463B3C9A5}" type="presOf" srcId="{23F8D2BE-7838-3D4D-9636-4B9E4A0BB0F6}" destId="{74F94F62-BBF2-D342-B332-2A72906536BD}" srcOrd="0" destOrd="0" presId="urn:microsoft.com/office/officeart/2005/8/layout/hList1"/>
-    <dgm:cxn modelId="{01FDA369-EF6E-DD43-9272-3294F26E561C}" srcId="{23F8D2BE-7838-3D4D-9636-4B9E4A0BB0F6}" destId="{317D4290-9F0E-6E45-BD4F-8D620965FF8E}" srcOrd="1" destOrd="0" parTransId="{8B59727D-3AC0-E141-8501-723531930EEB}" sibTransId="{D237EF38-1D4C-0A45-B2B9-697FA794FC39}"/>
     <dgm:cxn modelId="{ED4E407A-36CD-8144-A442-9A2F020C21CE}" type="presOf" srcId="{A439195B-3F3D-ED41-9D29-940CE62E12A7}" destId="{95E6ECE2-D5DE-9040-9E34-5AB0150E05CA}" srcOrd="0" destOrd="1" presId="urn:microsoft.com/office/officeart/2005/8/layout/hList1"/>
     <dgm:cxn modelId="{E7870A86-04F1-A14D-975A-2919925BAD10}" type="presOf" srcId="{E518ED7B-1E6B-0242-B1BE-3185BDEDD0B4}" destId="{95E6ECE2-D5DE-9040-9E34-5AB0150E05CA}" srcOrd="0" destOrd="0" presId="urn:microsoft.com/office/officeart/2005/8/layout/hList1"/>
     <dgm:cxn modelId="{DADA1488-8949-CF4E-8FF9-7C869452A8CD}" srcId="{91CD9079-45BE-FB49-8E78-E6DF31BD8BD2}" destId="{3CE56A54-3120-E140-B9D8-F295F05743F3}" srcOrd="2" destOrd="0" parTransId="{4AD218CD-6516-484E-8591-88C9961BDE20}" sibTransId="{44A52EBC-4375-814B-A82B-B23A709521DE}"/>
@@ -3651,8 +3653,8 @@
         </p:nvSpPr>
         <p:spPr>
           <a:xfrm>
-            <a:off x="1143225" y="685800"/>
-            <a:ext cx="4572225" cy="3429000"/>
+            <a:off x="381000" y="685800"/>
+            <a:ext cx="6096000" cy="3429000"/>
           </a:xfrm>
           <a:custGeom>
             <a:avLst/>
@@ -25715,7 +25717,7 @@
               <a:buNone/>
             </a:pPr>
             <a:r>
-              <a:rPr lang="es-ES" sz="1800" b="0" i="0" u="none" strike="noStrike" cap="none">
+              <a:rPr lang="es-ES" sz="1800" b="0" i="0" u="none" strike="noStrike" cap="none" dirty="0">
                 <a:solidFill>
                   <a:srgbClr val="7F7F7F"/>
                 </a:solidFill>
@@ -25724,13 +25726,9 @@
                 <a:cs typeface="Trebuchet MS"/>
                 <a:sym typeface="Trebuchet MS"/>
               </a:rPr>
-              <a:t>Sesión </a:t>
+              <a:t>Modulo 3</a:t>
             </a:r>
-            <a:r>
-              <a:rPr lang="es-ES"/>
-              <a:t>2</a:t>
-            </a:r>
-            <a:endParaRPr sz="1800" b="0" i="0" u="none" strike="noStrike" cap="none">
+            <a:endParaRPr sz="1800" b="0" i="0" u="none" strike="noStrike" cap="none" dirty="0">
               <a:solidFill>
                 <a:srgbClr val="7F7F7F"/>
               </a:solidFill>
@@ -27792,20 +27790,240 @@
           <a:p>
             <a:r>
               <a:rPr lang="en-MX" dirty="0"/>
-              <a:t>El estado de un objeto lo representan sus atributos</a:t>
+              <a:t>El estado de un objeto </a:t>
+            </a:r>
+            <a:endParaRPr lang="en-US" dirty="0"/>
+          </a:p>
+          <a:p>
+            <a:pPr marL="137160" indent="0">
+              <a:buNone/>
+            </a:pPr>
+            <a:r>
+              <a:rPr lang="en-US" dirty="0"/>
+              <a:t>l</a:t>
+            </a:r>
+            <a:r>
+              <a:rPr lang="en-MX" dirty="0"/>
+              <a:t>o </a:t>
+            </a:r>
+            <a:r>
+              <a:rPr lang="en-US" dirty="0" err="1"/>
+              <a:t>representa</a:t>
+            </a:r>
+            <a:r>
+              <a:rPr lang="en-US" dirty="0"/>
+              <a:t> el valor de</a:t>
+            </a:r>
+          </a:p>
+          <a:p>
+            <a:pPr marL="137160" indent="0">
+              <a:buNone/>
+            </a:pPr>
+            <a:r>
+              <a:rPr lang="en-MX" dirty="0"/>
+              <a:t>sus atributos</a:t>
             </a:r>
           </a:p>
           <a:p>
             <a:r>
-              <a:rPr lang="en-MX"/>
-              <a:t>El comportamiento lo representan sus metodos</a:t>
+              <a:rPr lang="en-MX" dirty="0"/>
+              <a:t>El comportamiento lo </a:t>
+            </a:r>
+            <a:endParaRPr lang="en-US" dirty="0"/>
+          </a:p>
+          <a:p>
+            <a:pPr marL="137160" indent="0">
+              <a:buNone/>
+            </a:pPr>
+            <a:r>
+              <a:rPr lang="en-US" dirty="0"/>
+              <a:t>r</a:t>
+            </a:r>
+            <a:r>
+              <a:rPr lang="en-MX" dirty="0"/>
+              <a:t>epresentan sus metodos</a:t>
+            </a:r>
+            <a:endParaRPr lang="en-US" dirty="0"/>
+          </a:p>
+          <a:p>
+            <a:r>
+              <a:rPr lang="en-US" dirty="0" err="1"/>
+              <a:t>Cada</a:t>
+            </a:r>
+            <a:r>
+              <a:rPr lang="en-US" dirty="0"/>
+              <a:t> </a:t>
+            </a:r>
+            <a:r>
+              <a:rPr lang="en-US" dirty="0" err="1"/>
+              <a:t>vez</a:t>
+            </a:r>
+            <a:r>
+              <a:rPr lang="en-US" dirty="0"/>
+              <a:t> que se </a:t>
+            </a:r>
+            <a:r>
+              <a:rPr lang="en-US" dirty="0" err="1"/>
+              <a:t>llaman</a:t>
+            </a:r>
+            <a:r>
+              <a:rPr lang="en-US" dirty="0"/>
+              <a:t> </a:t>
             </a:r>
           </a:p>
           <a:p>
-            <a:endParaRPr lang="en-MX"/>
+            <a:pPr marL="137160" indent="0">
+              <a:buNone/>
+            </a:pPr>
+            <a:r>
+              <a:rPr lang="en-US" dirty="0"/>
+              <a:t>los </a:t>
+            </a:r>
+            <a:r>
+              <a:rPr lang="en-US" dirty="0" err="1"/>
+              <a:t>metodos</a:t>
+            </a:r>
+            <a:r>
+              <a:rPr lang="en-US" dirty="0"/>
+              <a:t>, se </a:t>
+            </a:r>
+            <a:r>
+              <a:rPr lang="en-US" dirty="0" err="1"/>
+              <a:t>modifican</a:t>
+            </a:r>
+            <a:r>
+              <a:rPr lang="en-US" dirty="0"/>
+              <a:t> </a:t>
+            </a:r>
+          </a:p>
+          <a:p>
+            <a:pPr marL="137160" indent="0">
+              <a:buNone/>
+            </a:pPr>
+            <a:r>
+              <a:rPr lang="en-US" dirty="0"/>
+              <a:t>las variables</a:t>
+            </a:r>
+          </a:p>
+          <a:p>
+            <a:r>
+              <a:rPr lang="en-US" dirty="0"/>
+              <a:t>El </a:t>
+            </a:r>
+            <a:r>
+              <a:rPr lang="en-US" dirty="0" err="1"/>
+              <a:t>estado</a:t>
+            </a:r>
+            <a:r>
+              <a:rPr lang="en-US" dirty="0"/>
+              <a:t> de un </a:t>
+            </a:r>
+            <a:r>
+              <a:rPr lang="en-US" dirty="0" err="1"/>
+              <a:t>objeto</a:t>
+            </a:r>
+            <a:r>
+              <a:rPr lang="en-US" dirty="0"/>
+              <a:t> </a:t>
+            </a:r>
+          </a:p>
+          <a:p>
+            <a:pPr marL="137160" indent="0">
+              <a:buNone/>
+            </a:pPr>
+            <a:r>
+              <a:rPr lang="en-US" dirty="0" err="1"/>
+              <a:t>modifica</a:t>
+            </a:r>
+            <a:r>
+              <a:rPr lang="en-US" dirty="0"/>
+              <a:t> </a:t>
+            </a:r>
+            <a:r>
+              <a:rPr lang="en-US" dirty="0" err="1"/>
+              <a:t>su</a:t>
+            </a:r>
+            <a:r>
+              <a:rPr lang="en-US" dirty="0"/>
+              <a:t> </a:t>
+            </a:r>
+            <a:r>
+              <a:rPr lang="en-US" dirty="0" err="1"/>
+              <a:t>comportamiento</a:t>
+            </a:r>
+            <a:endParaRPr lang="en-US" dirty="0"/>
+          </a:p>
+          <a:p>
+            <a:pPr marL="137160" indent="0">
+              <a:buNone/>
+            </a:pPr>
+            <a:endParaRPr lang="en-MX" dirty="0"/>
+          </a:p>
+          <a:p>
+            <a:endParaRPr lang="en-MX" dirty="0"/>
           </a:p>
         </p:txBody>
       </p:sp>
+      <p:pic>
+        <p:nvPicPr>
+          <p:cNvPr id="5" name="Picture 4" descr="Cuando el nivel de hambre es alto, el comportamiento se altera">
+            <a:extLst>
+              <a:ext uri="{FF2B5EF4-FFF2-40B4-BE49-F238E27FC236}">
+                <a16:creationId xmlns:a16="http://schemas.microsoft.com/office/drawing/2014/main" id="{E93497A6-D14E-4DC1-A7D8-F1569C569DEA}"/>
+              </a:ext>
+            </a:extLst>
+          </p:cNvPr>
+          <p:cNvPicPr>
+            <a:picLocks noChangeAspect="1"/>
+          </p:cNvPicPr>
+          <p:nvPr/>
+        </p:nvPicPr>
+        <p:blipFill>
+          <a:blip r:embed="rId2"/>
+          <a:stretch>
+            <a:fillRect/>
+          </a:stretch>
+        </p:blipFill>
+        <p:spPr>
+          <a:xfrm>
+            <a:off x="7093853" y="1101756"/>
+            <a:ext cx="3499119" cy="2432473"/>
+          </a:xfrm>
+          <a:prstGeom prst="rect">
+            <a:avLst/>
+          </a:prstGeom>
+        </p:spPr>
+      </p:pic>
+      <p:pic>
+        <p:nvPicPr>
+          <p:cNvPr id="7" name="Picture 6" descr="A person holding a plate of food&#10;&#10;Description automatically generated">
+            <a:extLst>
+              <a:ext uri="{FF2B5EF4-FFF2-40B4-BE49-F238E27FC236}">
+                <a16:creationId xmlns:a16="http://schemas.microsoft.com/office/drawing/2014/main" id="{893FCF9C-6AE5-437C-BFED-F130276F7AA3}"/>
+              </a:ext>
+            </a:extLst>
+          </p:cNvPr>
+          <p:cNvPicPr>
+            <a:picLocks noChangeAspect="1"/>
+          </p:cNvPicPr>
+          <p:nvPr/>
+        </p:nvPicPr>
+        <p:blipFill>
+          <a:blip r:embed="rId3"/>
+          <a:stretch>
+            <a:fillRect/>
+          </a:stretch>
+        </p:blipFill>
+        <p:spPr>
+          <a:xfrm>
+            <a:off x="4814886" y="3764418"/>
+            <a:ext cx="3728709" cy="3052129"/>
+          </a:xfrm>
+          <a:prstGeom prst="rect">
+            <a:avLst/>
+          </a:prstGeom>
+        </p:spPr>
+      </p:pic>
     </p:spTree>
     <p:extLst>
       <p:ext uri="{BB962C8B-B14F-4D97-AF65-F5344CB8AC3E}">
@@ -27906,6 +28124,557 @@
 </file>
 
 <file path=ppt/slides/slide20.xml><?xml version="1.0" encoding="utf-8"?>
+<p:sld xmlns:a="http://schemas.openxmlformats.org/drawingml/2006/main" xmlns:r="http://schemas.openxmlformats.org/officeDocument/2006/relationships" xmlns:p="http://schemas.openxmlformats.org/presentationml/2006/main">
+  <p:cSld>
+    <p:spTree>
+      <p:nvGrpSpPr>
+        <p:cNvPr id="1" name=""/>
+        <p:cNvGrpSpPr/>
+        <p:nvPr/>
+      </p:nvGrpSpPr>
+      <p:grpSpPr>
+        <a:xfrm>
+          <a:off x="0" y="0"/>
+          <a:ext cx="0" cy="0"/>
+          <a:chOff x="0" y="0"/>
+          <a:chExt cx="0" cy="0"/>
+        </a:xfrm>
+      </p:grpSpPr>
+      <p:sp>
+        <p:nvSpPr>
+          <p:cNvPr id="2" name="Title 1">
+            <a:extLst>
+              <a:ext uri="{FF2B5EF4-FFF2-40B4-BE49-F238E27FC236}">
+                <a16:creationId xmlns:a16="http://schemas.microsoft.com/office/drawing/2014/main" id="{DD8A8781-3505-41AF-A53F-B652E4322E00}"/>
+              </a:ext>
+            </a:extLst>
+          </p:cNvPr>
+          <p:cNvSpPr>
+            <a:spLocks noGrp="1"/>
+          </p:cNvSpPr>
+          <p:nvPr>
+            <p:ph type="title"/>
+          </p:nvPr>
+        </p:nvSpPr>
+        <p:spPr/>
+        <p:txBody>
+          <a:bodyPr/>
+          <a:lstStyle/>
+          <a:p>
+            <a:r>
+              <a:rPr lang="en-US" dirty="0" err="1"/>
+              <a:t>Comportamiento</a:t>
+            </a:r>
+            <a:r>
+              <a:rPr lang="en-US" dirty="0"/>
+              <a:t> de </a:t>
+            </a:r>
+            <a:r>
+              <a:rPr lang="en-US" dirty="0" err="1"/>
+              <a:t>Objetos</a:t>
+            </a:r>
+            <a:endParaRPr lang="en-US" dirty="0"/>
+          </a:p>
+        </p:txBody>
+      </p:sp>
+      <p:sp>
+        <p:nvSpPr>
+          <p:cNvPr id="3" name="Text Placeholder 2">
+            <a:extLst>
+              <a:ext uri="{FF2B5EF4-FFF2-40B4-BE49-F238E27FC236}">
+                <a16:creationId xmlns:a16="http://schemas.microsoft.com/office/drawing/2014/main" id="{EE5C57CA-61F1-4F95-8890-ABA7FCA97FE7}"/>
+              </a:ext>
+            </a:extLst>
+          </p:cNvPr>
+          <p:cNvSpPr>
+            <a:spLocks noGrp="1"/>
+          </p:cNvSpPr>
+          <p:nvPr>
+            <p:ph type="body" idx="1"/>
+          </p:nvPr>
+        </p:nvSpPr>
+        <p:spPr/>
+        <p:txBody>
+          <a:bodyPr/>
+          <a:lstStyle/>
+          <a:p>
+            <a:r>
+              <a:rPr lang="en-US" dirty="0" err="1"/>
+              <a:t>Objetos</a:t>
+            </a:r>
+            <a:r>
+              <a:rPr lang="en-US" dirty="0"/>
+              <a:t> de la </a:t>
+            </a:r>
+            <a:r>
+              <a:rPr lang="en-US" dirty="0" err="1"/>
+              <a:t>misma</a:t>
+            </a:r>
+            <a:r>
+              <a:rPr lang="en-US" dirty="0"/>
+              <a:t> </a:t>
+            </a:r>
+            <a:r>
+              <a:rPr lang="en-US" dirty="0" err="1"/>
+              <a:t>clase</a:t>
+            </a:r>
+            <a:r>
+              <a:rPr lang="en-US" dirty="0"/>
+              <a:t> se </a:t>
+            </a:r>
+            <a:r>
+              <a:rPr lang="en-US" dirty="0" err="1"/>
+              <a:t>comportan</a:t>
+            </a:r>
+            <a:r>
+              <a:rPr lang="en-US" dirty="0"/>
+              <a:t> de </a:t>
+            </a:r>
+            <a:r>
+              <a:rPr lang="en-US" dirty="0" err="1"/>
+              <a:t>manera</a:t>
+            </a:r>
+            <a:r>
+              <a:rPr lang="en-US" dirty="0"/>
+              <a:t> </a:t>
+            </a:r>
+            <a:r>
+              <a:rPr lang="en-US" dirty="0" err="1"/>
+              <a:t>diferente</a:t>
+            </a:r>
+            <a:endParaRPr lang="en-US" dirty="0"/>
+          </a:p>
+          <a:p>
+            <a:r>
+              <a:rPr lang="en-US" dirty="0" err="1"/>
+              <a:t>Diferencias</a:t>
+            </a:r>
+            <a:r>
+              <a:rPr lang="en-US" dirty="0"/>
+              <a:t> de </a:t>
+            </a:r>
+            <a:r>
+              <a:rPr lang="en-US" dirty="0" err="1"/>
+              <a:t>comportamiento</a:t>
+            </a:r>
+            <a:r>
+              <a:rPr lang="en-US" dirty="0"/>
+              <a:t>?</a:t>
+            </a:r>
+          </a:p>
+          <a:p>
+            <a:r>
+              <a:rPr lang="en-US" dirty="0" err="1"/>
+              <a:t>pug.ladrar</a:t>
+            </a:r>
+            <a:r>
+              <a:rPr lang="en-US" dirty="0"/>
+              <a:t>()</a:t>
+            </a:r>
+          </a:p>
+          <a:p>
+            <a:r>
+              <a:rPr lang="en-US" dirty="0" err="1"/>
+              <a:t>labrador.ladrar</a:t>
+            </a:r>
+            <a:r>
+              <a:rPr lang="en-US" dirty="0"/>
+              <a:t>() </a:t>
+            </a:r>
+          </a:p>
+          <a:p>
+            <a:r>
+              <a:rPr lang="en-US" dirty="0" err="1"/>
+              <a:t>granDanes.ladrar</a:t>
+            </a:r>
+            <a:r>
+              <a:rPr lang="en-US" dirty="0"/>
+              <a:t>()</a:t>
+            </a:r>
+          </a:p>
+        </p:txBody>
+      </p:sp>
+      <p:pic>
+        <p:nvPicPr>
+          <p:cNvPr id="11" name="Picture 10" descr="A brown and white dog looking at the camera&#10;&#10;Description automatically generated">
+            <a:extLst>
+              <a:ext uri="{FF2B5EF4-FFF2-40B4-BE49-F238E27FC236}">
+                <a16:creationId xmlns:a16="http://schemas.microsoft.com/office/drawing/2014/main" id="{40B8BE7B-6569-4740-8138-06C764164C8D}"/>
+              </a:ext>
+            </a:extLst>
+          </p:cNvPr>
+          <p:cNvPicPr>
+            <a:picLocks noChangeAspect="1"/>
+          </p:cNvPicPr>
+          <p:nvPr/>
+        </p:nvPicPr>
+        <p:blipFill>
+          <a:blip r:embed="rId2"/>
+          <a:stretch>
+            <a:fillRect/>
+          </a:stretch>
+        </p:blipFill>
+        <p:spPr>
+          <a:xfrm>
+            <a:off x="8015360" y="1130300"/>
+            <a:ext cx="2857500" cy="1600200"/>
+          </a:xfrm>
+          <a:prstGeom prst="rect">
+            <a:avLst/>
+          </a:prstGeom>
+        </p:spPr>
+      </p:pic>
+      <p:pic>
+        <p:nvPicPr>
+          <p:cNvPr id="13" name="Picture 12" descr="A large brown dog lying on the ground&#10;&#10;Description automatically generated">
+            <a:extLst>
+              <a:ext uri="{FF2B5EF4-FFF2-40B4-BE49-F238E27FC236}">
+                <a16:creationId xmlns:a16="http://schemas.microsoft.com/office/drawing/2014/main" id="{046CA1E1-94D2-4119-ACCA-5E0C6E664F3C}"/>
+              </a:ext>
+            </a:extLst>
+          </p:cNvPr>
+          <p:cNvPicPr>
+            <a:picLocks noChangeAspect="1"/>
+          </p:cNvPicPr>
+          <p:nvPr/>
+        </p:nvPicPr>
+        <p:blipFill>
+          <a:blip r:embed="rId3"/>
+          <a:stretch>
+            <a:fillRect/>
+          </a:stretch>
+        </p:blipFill>
+        <p:spPr>
+          <a:xfrm>
+            <a:off x="4607756" y="3767504"/>
+            <a:ext cx="2667000" cy="1714500"/>
+          </a:xfrm>
+          <a:prstGeom prst="rect">
+            <a:avLst/>
+          </a:prstGeom>
+        </p:spPr>
+      </p:pic>
+      <p:pic>
+        <p:nvPicPr>
+          <p:cNvPr id="15" name="Picture 14" descr="A brown and white dog standing in the dirt&#10;&#10;Description automatically generated">
+            <a:extLst>
+              <a:ext uri="{FF2B5EF4-FFF2-40B4-BE49-F238E27FC236}">
+                <a16:creationId xmlns:a16="http://schemas.microsoft.com/office/drawing/2014/main" id="{1C87A046-FA13-40E8-AED2-17F8B4D36BFA}"/>
+              </a:ext>
+            </a:extLst>
+          </p:cNvPr>
+          <p:cNvPicPr>
+            <a:picLocks noChangeAspect="1"/>
+          </p:cNvPicPr>
+          <p:nvPr/>
+        </p:nvPicPr>
+        <p:blipFill>
+          <a:blip r:embed="rId4"/>
+          <a:stretch>
+            <a:fillRect/>
+          </a:stretch>
+        </p:blipFill>
+        <p:spPr>
+          <a:xfrm>
+            <a:off x="8116985" y="3223807"/>
+            <a:ext cx="1838325" cy="2486025"/>
+          </a:xfrm>
+          <a:prstGeom prst="rect">
+            <a:avLst/>
+          </a:prstGeom>
+        </p:spPr>
+      </p:pic>
+    </p:spTree>
+    <p:extLst>
+      <p:ext uri="{BB962C8B-B14F-4D97-AF65-F5344CB8AC3E}">
+        <p14:creationId xmlns:p14="http://schemas.microsoft.com/office/powerpoint/2010/main" val="2488878483"/>
+      </p:ext>
+    </p:extLst>
+  </p:cSld>
+  <p:clrMapOvr>
+    <a:masterClrMapping/>
+  </p:clrMapOvr>
+</p:sld>
+</file>
+
+<file path=ppt/slides/slide21.xml><?xml version="1.0" encoding="utf-8"?>
+<p:sld xmlns:a="http://schemas.openxmlformats.org/drawingml/2006/main" xmlns:r="http://schemas.openxmlformats.org/officeDocument/2006/relationships" xmlns:p="http://schemas.openxmlformats.org/presentationml/2006/main">
+  <p:cSld>
+    <p:spTree>
+      <p:nvGrpSpPr>
+        <p:cNvPr id="1" name=""/>
+        <p:cNvGrpSpPr/>
+        <p:nvPr/>
+      </p:nvGrpSpPr>
+      <p:grpSpPr>
+        <a:xfrm>
+          <a:off x="0" y="0"/>
+          <a:ext cx="0" cy="0"/>
+          <a:chOff x="0" y="0"/>
+          <a:chExt cx="0" cy="0"/>
+        </a:xfrm>
+      </p:grpSpPr>
+      <p:sp>
+        <p:nvSpPr>
+          <p:cNvPr id="2" name="Title 1">
+            <a:extLst>
+              <a:ext uri="{FF2B5EF4-FFF2-40B4-BE49-F238E27FC236}">
+                <a16:creationId xmlns:a16="http://schemas.microsoft.com/office/drawing/2014/main" id="{959C9BD7-726B-4CCE-8B53-17FD8603ABFF}"/>
+              </a:ext>
+            </a:extLst>
+          </p:cNvPr>
+          <p:cNvSpPr>
+            <a:spLocks noGrp="1"/>
+          </p:cNvSpPr>
+          <p:nvPr>
+            <p:ph type="title"/>
+          </p:nvPr>
+        </p:nvSpPr>
+        <p:spPr/>
+        <p:txBody>
+          <a:bodyPr/>
+          <a:lstStyle/>
+          <a:p>
+            <a:r>
+              <a:rPr lang="en-US" dirty="0" err="1"/>
+              <a:t>Encapsulacion</a:t>
+            </a:r>
+            <a:endParaRPr lang="en-US" dirty="0"/>
+          </a:p>
+        </p:txBody>
+      </p:sp>
+      <p:sp>
+        <p:nvSpPr>
+          <p:cNvPr id="3" name="Text Placeholder 2">
+            <a:extLst>
+              <a:ext uri="{FF2B5EF4-FFF2-40B4-BE49-F238E27FC236}">
+                <a16:creationId xmlns:a16="http://schemas.microsoft.com/office/drawing/2014/main" id="{5EF96A99-66A8-4C7D-BA98-7DA1F128CFD5}"/>
+              </a:ext>
+            </a:extLst>
+          </p:cNvPr>
+          <p:cNvSpPr>
+            <a:spLocks noGrp="1"/>
+          </p:cNvSpPr>
+          <p:nvPr>
+            <p:ph type="body" idx="1"/>
+          </p:nvPr>
+        </p:nvSpPr>
+        <p:spPr/>
+        <p:txBody>
+          <a:bodyPr/>
+          <a:lstStyle/>
+          <a:p>
+            <a:r>
+              <a:rPr lang="en-US" dirty="0"/>
+              <a:t>Evita </a:t>
+            </a:r>
+            <a:r>
+              <a:rPr lang="en-US" dirty="0" err="1"/>
+              <a:t>exponer</a:t>
+            </a:r>
+            <a:r>
+              <a:rPr lang="en-US" dirty="0"/>
+              <a:t> </a:t>
+            </a:r>
+            <a:r>
+              <a:rPr lang="en-US" dirty="0" err="1"/>
+              <a:t>atributos</a:t>
+            </a:r>
+            <a:r>
+              <a:rPr lang="en-US" dirty="0"/>
+              <a:t> de </a:t>
+            </a:r>
+            <a:r>
+              <a:rPr lang="en-US" dirty="0" err="1"/>
+              <a:t>clase</a:t>
+            </a:r>
+            <a:endParaRPr lang="en-US" dirty="0"/>
+          </a:p>
+          <a:p>
+            <a:r>
+              <a:rPr lang="en-US" dirty="0" err="1"/>
+              <a:t>Previene</a:t>
+            </a:r>
+            <a:r>
+              <a:rPr lang="en-US" dirty="0"/>
+              <a:t> </a:t>
+            </a:r>
+            <a:r>
+              <a:rPr lang="en-US" dirty="0" err="1"/>
+              <a:t>estado</a:t>
+            </a:r>
+            <a:r>
+              <a:rPr lang="en-US" dirty="0"/>
+              <a:t> </a:t>
+            </a:r>
+            <a:r>
+              <a:rPr lang="en-US" dirty="0" err="1"/>
+              <a:t>incongruente</a:t>
+            </a:r>
+            <a:r>
+              <a:rPr lang="en-US" dirty="0"/>
+              <a:t> de </a:t>
+            </a:r>
+            <a:r>
+              <a:rPr lang="en-US" dirty="0" err="1"/>
+              <a:t>objetos</a:t>
+            </a:r>
+            <a:endParaRPr lang="en-US" dirty="0"/>
+          </a:p>
+          <a:p>
+            <a:r>
+              <a:rPr lang="en-US" dirty="0"/>
+              <a:t>Ex.  </a:t>
+            </a:r>
+            <a:r>
+              <a:rPr lang="en-US" dirty="0" err="1"/>
+              <a:t>pug.tamanio</a:t>
+            </a:r>
+            <a:r>
+              <a:rPr lang="en-US" dirty="0"/>
+              <a:t> = -13.5;</a:t>
+            </a:r>
+          </a:p>
+          <a:p>
+            <a:r>
+              <a:rPr lang="en-US" dirty="0" err="1"/>
+              <a:t>Utiliza</a:t>
+            </a:r>
+            <a:r>
+              <a:rPr lang="en-US" dirty="0"/>
+              <a:t> </a:t>
+            </a:r>
+            <a:r>
+              <a:rPr lang="en-US" dirty="0" err="1"/>
+              <a:t>metodos</a:t>
+            </a:r>
+            <a:r>
+              <a:rPr lang="en-US" dirty="0"/>
+              <a:t> get/set</a:t>
+            </a:r>
+          </a:p>
+          <a:p>
+            <a:r>
+              <a:rPr lang="en-US" dirty="0" err="1"/>
+              <a:t>Implementa</a:t>
+            </a:r>
+            <a:r>
+              <a:rPr lang="en-US" dirty="0"/>
+              <a:t> </a:t>
+            </a:r>
+            <a:r>
+              <a:rPr lang="en-US" dirty="0" err="1"/>
+              <a:t>modificadores</a:t>
+            </a:r>
+            <a:r>
+              <a:rPr lang="en-US" dirty="0"/>
+              <a:t> de </a:t>
+            </a:r>
+            <a:r>
+              <a:rPr lang="en-US" dirty="0" err="1"/>
+              <a:t>acceso</a:t>
+            </a:r>
+            <a:endParaRPr lang="en-US" dirty="0"/>
+          </a:p>
+          <a:p>
+            <a:pPr lvl="1"/>
+            <a:r>
+              <a:rPr lang="en-US" dirty="0"/>
+              <a:t>privado</a:t>
+            </a:r>
+          </a:p>
+          <a:p>
+            <a:pPr lvl="1"/>
+            <a:r>
+              <a:rPr lang="en-US" dirty="0" err="1"/>
+              <a:t>protegido</a:t>
+            </a:r>
+            <a:endParaRPr lang="en-US" dirty="0"/>
+          </a:p>
+          <a:p>
+            <a:pPr lvl="1"/>
+            <a:r>
+              <a:rPr lang="en-US" dirty="0" err="1"/>
+              <a:t>publico</a:t>
+            </a:r>
+            <a:endParaRPr lang="en-US" dirty="0"/>
+          </a:p>
+        </p:txBody>
+      </p:sp>
+      <p:pic>
+        <p:nvPicPr>
+          <p:cNvPr id="5" name="Picture 4" descr="protected access modifier">
+            <a:extLst>
+              <a:ext uri="{FF2B5EF4-FFF2-40B4-BE49-F238E27FC236}">
+                <a16:creationId xmlns:a16="http://schemas.microsoft.com/office/drawing/2014/main" id="{1C807C18-0F4B-416E-98E8-E0979F9F8858}"/>
+              </a:ext>
+            </a:extLst>
+          </p:cNvPr>
+          <p:cNvPicPr>
+            <a:picLocks noChangeAspect="1"/>
+          </p:cNvPicPr>
+          <p:nvPr/>
+        </p:nvPicPr>
+        <p:blipFill>
+          <a:blip r:embed="rId2"/>
+          <a:stretch>
+            <a:fillRect/>
+          </a:stretch>
+        </p:blipFill>
+        <p:spPr>
+          <a:xfrm>
+            <a:off x="5547044" y="1767620"/>
+            <a:ext cx="1743075" cy="2619375"/>
+          </a:xfrm>
+          <a:prstGeom prst="rect">
+            <a:avLst/>
+          </a:prstGeom>
+        </p:spPr>
+      </p:pic>
+      <p:pic>
+        <p:nvPicPr>
+          <p:cNvPr id="7" name="Picture 6" descr="private access modifier">
+            <a:extLst>
+              <a:ext uri="{FF2B5EF4-FFF2-40B4-BE49-F238E27FC236}">
+                <a16:creationId xmlns:a16="http://schemas.microsoft.com/office/drawing/2014/main" id="{26841B86-45DA-4A1B-BE24-2721F2C2813B}"/>
+              </a:ext>
+            </a:extLst>
+          </p:cNvPr>
+          <p:cNvPicPr>
+            <a:picLocks noChangeAspect="1"/>
+          </p:cNvPicPr>
+          <p:nvPr/>
+        </p:nvPicPr>
+        <p:blipFill>
+          <a:blip r:embed="rId3"/>
+          <a:stretch>
+            <a:fillRect/>
+          </a:stretch>
+        </p:blipFill>
+        <p:spPr>
+          <a:xfrm>
+            <a:off x="7135486" y="1308686"/>
+            <a:ext cx="2645177" cy="3535900"/>
+          </a:xfrm>
+          <a:prstGeom prst="rect">
+            <a:avLst/>
+          </a:prstGeom>
+        </p:spPr>
+      </p:pic>
+    </p:spTree>
+    <p:extLst>
+      <p:ext uri="{BB962C8B-B14F-4D97-AF65-F5344CB8AC3E}">
+        <p14:creationId xmlns:p14="http://schemas.microsoft.com/office/powerpoint/2010/main" val="3738034615"/>
+      </p:ext>
+    </p:extLst>
+  </p:cSld>
+  <p:clrMapOvr>
+    <a:masterClrMapping/>
+  </p:clrMapOvr>
+</p:sld>
+</file>
+
+<file path=ppt/slides/slide22.xml><?xml version="1.0" encoding="utf-8"?>
 <p:sld xmlns:a="http://schemas.openxmlformats.org/drawingml/2006/main" xmlns:r="http://schemas.openxmlformats.org/officeDocument/2006/relationships" xmlns:p="http://schemas.openxmlformats.org/presentationml/2006/main">
   <p:cSld>
     <p:spTree>
